--- a/2 - Autoencoders/Autoencoders.pptx
+++ b/2 - Autoencoders/Autoencoders.pptx
@@ -5,32 +5,34 @@
     <p:sldMasterId id="2147483648" r:id="rId1"/>
   </p:sldMasterIdLst>
   <p:notesMasterIdLst>
-    <p:notesMasterId r:id="rId25"/>
+    <p:notesMasterId r:id="rId27"/>
   </p:notesMasterIdLst>
   <p:sldIdLst>
     <p:sldId id="256" r:id="rId2"/>
-    <p:sldId id="257" r:id="rId3"/>
-    <p:sldId id="258" r:id="rId4"/>
-    <p:sldId id="260" r:id="rId5"/>
-    <p:sldId id="261" r:id="rId6"/>
-    <p:sldId id="259" r:id="rId7"/>
-    <p:sldId id="262" r:id="rId8"/>
-    <p:sldId id="263" r:id="rId9"/>
-    <p:sldId id="264" r:id="rId10"/>
-    <p:sldId id="266" r:id="rId11"/>
-    <p:sldId id="267" r:id="rId12"/>
-    <p:sldId id="265" r:id="rId13"/>
-    <p:sldId id="268" r:id="rId14"/>
-    <p:sldId id="269" r:id="rId15"/>
-    <p:sldId id="270" r:id="rId16"/>
-    <p:sldId id="274" r:id="rId17"/>
-    <p:sldId id="271" r:id="rId18"/>
-    <p:sldId id="272" r:id="rId19"/>
-    <p:sldId id="273" r:id="rId20"/>
-    <p:sldId id="275" r:id="rId21"/>
-    <p:sldId id="276" r:id="rId22"/>
-    <p:sldId id="277" r:id="rId23"/>
-    <p:sldId id="278" r:id="rId24"/>
+    <p:sldId id="279" r:id="rId3"/>
+    <p:sldId id="257" r:id="rId4"/>
+    <p:sldId id="258" r:id="rId5"/>
+    <p:sldId id="260" r:id="rId6"/>
+    <p:sldId id="261" r:id="rId7"/>
+    <p:sldId id="259" r:id="rId8"/>
+    <p:sldId id="262" r:id="rId9"/>
+    <p:sldId id="263" r:id="rId10"/>
+    <p:sldId id="264" r:id="rId11"/>
+    <p:sldId id="266" r:id="rId12"/>
+    <p:sldId id="267" r:id="rId13"/>
+    <p:sldId id="265" r:id="rId14"/>
+    <p:sldId id="280" r:id="rId15"/>
+    <p:sldId id="268" r:id="rId16"/>
+    <p:sldId id="269" r:id="rId17"/>
+    <p:sldId id="270" r:id="rId18"/>
+    <p:sldId id="274" r:id="rId19"/>
+    <p:sldId id="271" r:id="rId20"/>
+    <p:sldId id="272" r:id="rId21"/>
+    <p:sldId id="273" r:id="rId22"/>
+    <p:sldId id="275" r:id="rId23"/>
+    <p:sldId id="276" r:id="rId24"/>
+    <p:sldId id="277" r:id="rId25"/>
+    <p:sldId id="278" r:id="rId26"/>
   </p:sldIdLst>
   <p:sldSz cx="12192000" cy="6858000"/>
   <p:notesSz cx="6858000" cy="9144000"/>
@@ -3792,29 +3794,40 @@
           <a:lstStyle/>
           <a:p>
             <a:r>
-              <a:rPr lang="en-CH"/>
+              <a:rPr lang="en-CH">
+                <a:latin typeface="Franklin Gothic Book" panose="020B0503020102020204" pitchFamily="34" charset="0"/>
+              </a:rPr>
               <a:t>What they do, how they work and why they are cool…</a:t>
             </a:r>
           </a:p>
           <a:p>
-            <a:endParaRPr lang="en-CH"/>
-          </a:p>
-          <a:p>
-            <a:r>
-              <a:rPr lang="en-CH"/>
+            <a:endParaRPr lang="en-CH">
+              <a:latin typeface="Franklin Gothic Book" panose="020B0503020102020204" pitchFamily="34" charset="0"/>
+            </a:endParaRPr>
+          </a:p>
+          <a:p>
+            <a:r>
+              <a:rPr lang="en-CH">
+                <a:latin typeface="Franklin Gothic Book" panose="020B0503020102020204" pitchFamily="34" charset="0"/>
+              </a:rPr>
               <a:t>(lots of code at </a:t>
             </a:r>
             <a:r>
               <a:rPr lang="en-GB">
+                <a:latin typeface="Franklin Gothic Book" panose="020B0503020102020204" pitchFamily="34" charset="0"/>
                 <a:hlinkClick r:id="rId2"/>
               </a:rPr>
               <a:t>http://adl.toelt.ai/</a:t>
             </a:r>
             <a:r>
-              <a:rPr lang="en-GB"/>
+              <a:rPr lang="en-GB">
+                <a:latin typeface="Franklin Gothic Book" panose="020B0503020102020204" pitchFamily="34" charset="0"/>
+              </a:rPr>
               <a:t>) </a:t>
             </a:r>
-            <a:endParaRPr lang="en-CH"/>
+            <a:endParaRPr lang="en-CH">
+              <a:latin typeface="Franklin Gothic Book" panose="020B0503020102020204" pitchFamily="34" charset="0"/>
+            </a:endParaRPr>
           </a:p>
         </p:txBody>
       </p:sp>
@@ -3928,7 +3941,7 @@
           <a:p>
             <a:r>
               <a:rPr lang="en-CH"/>
-              <a:t>Examples (784,8,784)</a:t>
+              <a:t>Examples (784,16,784)</a:t>
             </a:r>
           </a:p>
         </p:txBody>
@@ -3985,6 +3998,217 @@
           <a:p>
             <a:fld id="{41C020D8-235F-A74D-B997-F0D28FA98DD4}" type="slidenum">
               <a:t>10</a:t>
+            </a:fld>
+            <a:endParaRPr lang="en-CH"/>
+          </a:p>
+        </p:txBody>
+      </p:sp>
+      <p:sp>
+        <p:nvSpPr>
+          <p:cNvPr id="7" name="TextBox 6">
+            <a:extLst>
+              <a:ext uri="{FF2B5EF4-FFF2-40B4-BE49-F238E27FC236}">
+                <a16:creationId xmlns:a16="http://schemas.microsoft.com/office/drawing/2014/main" id="{78364415-EBD3-2E49-84D2-0AD8036C181D}"/>
+              </a:ext>
+            </a:extLst>
+          </p:cNvPr>
+          <p:cNvSpPr txBox="1"/>
+          <p:nvPr/>
+        </p:nvSpPr>
+        <p:spPr>
+          <a:xfrm>
+            <a:off x="70764" y="6110157"/>
+            <a:ext cx="11799658" cy="276999"/>
+          </a:xfrm>
+          <a:prstGeom prst="rect">
+            <a:avLst/>
+          </a:prstGeom>
+          <a:noFill/>
+        </p:spPr>
+        <p:txBody>
+          <a:bodyPr wrap="square">
+            <a:spAutoFit/>
+          </a:bodyPr>
+          <a:lstStyle/>
+          <a:p>
+            <a:r>
+              <a:rPr lang="en-GB" sz="1200" b="0" i="0" u="none" strike="noStrike">
+                <a:solidFill>
+                  <a:srgbClr val="222222"/>
+                </a:solidFill>
+                <a:effectLst/>
+                <a:latin typeface="Franklin Gothic Book" panose="020B0503020102020204" pitchFamily="34" charset="0"/>
+              </a:rPr>
+              <a:t>Michelucci, Umberto. "An Introduction to Autoencoders." </a:t>
+            </a:r>
+            <a:r>
+              <a:rPr lang="en-GB" sz="1200" b="0" i="1" u="none" strike="noStrike">
+                <a:solidFill>
+                  <a:srgbClr val="222222"/>
+                </a:solidFill>
+                <a:effectLst/>
+                <a:latin typeface="Franklin Gothic Book" panose="020B0503020102020204" pitchFamily="34" charset="0"/>
+              </a:rPr>
+              <a:t>arXiv preprint arXiv:2201.03898</a:t>
+            </a:r>
+            <a:r>
+              <a:rPr lang="en-GB" sz="1200" b="0" i="0" u="none" strike="noStrike">
+                <a:solidFill>
+                  <a:srgbClr val="222222"/>
+                </a:solidFill>
+                <a:effectLst/>
+                <a:latin typeface="Franklin Gothic Book" panose="020B0503020102020204" pitchFamily="34" charset="0"/>
+              </a:rPr>
+              <a:t> (2022).</a:t>
+            </a:r>
+            <a:endParaRPr lang="en-CH" sz="1200">
+              <a:latin typeface="Franklin Gothic Book" panose="020B0503020102020204" pitchFamily="34" charset="0"/>
+            </a:endParaRPr>
+          </a:p>
+        </p:txBody>
+      </p:sp>
+      <p:pic>
+        <p:nvPicPr>
+          <p:cNvPr id="9" name="Content Placeholder 8">
+            <a:extLst>
+              <a:ext uri="{FF2B5EF4-FFF2-40B4-BE49-F238E27FC236}">
+                <a16:creationId xmlns:a16="http://schemas.microsoft.com/office/drawing/2014/main" id="{B42DD6AC-32F2-C84E-B338-4B1ADCFE776D}"/>
+              </a:ext>
+            </a:extLst>
+          </p:cNvPr>
+          <p:cNvPicPr>
+            <a:picLocks noGrp="1" noChangeAspect="1"/>
+          </p:cNvPicPr>
+          <p:nvPr>
+            <p:ph idx="1"/>
+          </p:nvPr>
+        </p:nvPicPr>
+        <p:blipFill>
+          <a:blip r:embed="rId2"/>
+          <a:stretch>
+            <a:fillRect/>
+          </a:stretch>
+        </p:blipFill>
+        <p:spPr>
+          <a:xfrm>
+            <a:off x="559640" y="2213412"/>
+            <a:ext cx="11072719" cy="2779827"/>
+          </a:xfrm>
+          <a:prstGeom prst="rect">
+            <a:avLst/>
+          </a:prstGeom>
+        </p:spPr>
+      </p:pic>
+    </p:spTree>
+    <p:extLst>
+      <p:ext uri="{BB962C8B-B14F-4D97-AF65-F5344CB8AC3E}">
+        <p14:creationId xmlns:p14="http://schemas.microsoft.com/office/powerpoint/2010/main" val="1866443705"/>
+      </p:ext>
+    </p:extLst>
+  </p:cSld>
+  <p:clrMapOvr>
+    <a:masterClrMapping/>
+  </p:clrMapOvr>
+</p:sld>
+</file>
+
+<file path=ppt/slides/slide11.xml><?xml version="1.0" encoding="utf-8"?>
+<p:sld xmlns:a="http://schemas.openxmlformats.org/drawingml/2006/main" xmlns:r="http://schemas.openxmlformats.org/officeDocument/2006/relationships" xmlns:p="http://schemas.openxmlformats.org/presentationml/2006/main">
+  <p:cSld>
+    <p:spTree>
+      <p:nvGrpSpPr>
+        <p:cNvPr id="1" name=""/>
+        <p:cNvGrpSpPr/>
+        <p:nvPr/>
+      </p:nvGrpSpPr>
+      <p:grpSpPr>
+        <a:xfrm>
+          <a:off x="0" y="0"/>
+          <a:ext cx="0" cy="0"/>
+          <a:chOff x="0" y="0"/>
+          <a:chExt cx="0" cy="0"/>
+        </a:xfrm>
+      </p:grpSpPr>
+      <p:sp>
+        <p:nvSpPr>
+          <p:cNvPr id="2" name="Title 1">
+            <a:extLst>
+              <a:ext uri="{FF2B5EF4-FFF2-40B4-BE49-F238E27FC236}">
+                <a16:creationId xmlns:a16="http://schemas.microsoft.com/office/drawing/2014/main" id="{CBA63AD3-9F55-E64C-A75C-A462457670F4}"/>
+              </a:ext>
+            </a:extLst>
+          </p:cNvPr>
+          <p:cNvSpPr>
+            <a:spLocks noGrp="1"/>
+          </p:cNvSpPr>
+          <p:nvPr>
+            <p:ph type="title"/>
+          </p:nvPr>
+        </p:nvSpPr>
+        <p:spPr/>
+        <p:txBody>
+          <a:bodyPr/>
+          <a:lstStyle/>
+          <a:p>
+            <a:r>
+              <a:rPr lang="en-CH"/>
+              <a:t>Examples (784,8,784)</a:t>
+            </a:r>
+          </a:p>
+        </p:txBody>
+      </p:sp>
+      <p:sp>
+        <p:nvSpPr>
+          <p:cNvPr id="4" name="Footer Placeholder 3">
+            <a:extLst>
+              <a:ext uri="{FF2B5EF4-FFF2-40B4-BE49-F238E27FC236}">
+                <a16:creationId xmlns:a16="http://schemas.microsoft.com/office/drawing/2014/main" id="{1F837A4C-C174-CF44-9A64-896D485E6935}"/>
+              </a:ext>
+            </a:extLst>
+          </p:cNvPr>
+          <p:cNvSpPr>
+            <a:spLocks noGrp="1"/>
+          </p:cNvSpPr>
+          <p:nvPr>
+            <p:ph type="ftr" sz="quarter" idx="11"/>
+          </p:nvPr>
+        </p:nvSpPr>
+        <p:spPr/>
+        <p:txBody>
+          <a:bodyPr/>
+          <a:lstStyle/>
+          <a:p>
+            <a:r>
+              <a:rPr lang="en-GB"/>
+              <a:t>Umberto Michelucci, umberto.michelucci@toelt.ai</a:t>
+            </a:r>
+            <a:endParaRPr lang="en-CH"/>
+          </a:p>
+        </p:txBody>
+      </p:sp>
+      <p:sp>
+        <p:nvSpPr>
+          <p:cNvPr id="5" name="Slide Number Placeholder 4">
+            <a:extLst>
+              <a:ext uri="{FF2B5EF4-FFF2-40B4-BE49-F238E27FC236}">
+                <a16:creationId xmlns:a16="http://schemas.microsoft.com/office/drawing/2014/main" id="{ECD84F33-4CF9-A744-AB60-E7FA22CB623F}"/>
+              </a:ext>
+            </a:extLst>
+          </p:cNvPr>
+          <p:cNvSpPr>
+            <a:spLocks noGrp="1"/>
+          </p:cNvSpPr>
+          <p:nvPr>
+            <p:ph type="sldNum" sz="quarter" idx="12"/>
+          </p:nvPr>
+        </p:nvSpPr>
+        <p:spPr/>
+        <p:txBody>
+          <a:bodyPr/>
+          <a:lstStyle/>
+          <a:p>
+            <a:fld id="{41C020D8-235F-A74D-B997-F0D28FA98DD4}" type="slidenum">
+              <a:t>11</a:t>
             </a:fld>
             <a:endParaRPr lang="en-CH"/>
           </a:p>
@@ -4097,7 +4321,7 @@
 </p:sld>
 </file>
 
-<file path=ppt/slides/slide11.xml><?xml version="1.0" encoding="utf-8"?>
+<file path=ppt/slides/slide12.xml><?xml version="1.0" encoding="utf-8"?>
 <p:sld xmlns:a="http://schemas.openxmlformats.org/drawingml/2006/main" xmlns:r="http://schemas.openxmlformats.org/officeDocument/2006/relationships" xmlns:p="http://schemas.openxmlformats.org/presentationml/2006/main">
   <p:cSld>
     <p:spTree>
@@ -4198,7 +4422,7 @@
           <a:lstStyle/>
           <a:p>
             <a:fld id="{41C020D8-235F-A74D-B997-F0D28FA98DD4}" type="slidenum">
-              <a:t>11</a:t>
+              <a:t>12</a:t>
             </a:fld>
             <a:endParaRPr lang="en-CH"/>
           </a:p>
@@ -4311,7 +4535,7 @@
 </p:sld>
 </file>
 
-<file path=ppt/slides/slide12.xml><?xml version="1.0" encoding="utf-8"?>
+<file path=ppt/slides/slide13.xml><?xml version="1.0" encoding="utf-8"?>
 <p:sld xmlns:a="http://schemas.openxmlformats.org/drawingml/2006/main" xmlns:r="http://schemas.openxmlformats.org/officeDocument/2006/relationships" xmlns:p="http://schemas.openxmlformats.org/presentationml/2006/main">
   <p:cSld>
     <p:spTree>
@@ -4439,7 +4663,7 @@
           <a:lstStyle/>
           <a:p>
             <a:fld id="{41C020D8-235F-A74D-B997-F0D28FA98DD4}" type="slidenum">
-              <a:t>12</a:t>
+              <a:t>13</a:t>
             </a:fld>
             <a:endParaRPr lang="en-CH"/>
           </a:p>
@@ -4513,217 +4737,6 @@
     <p:extLst>
       <p:ext uri="{BB962C8B-B14F-4D97-AF65-F5344CB8AC3E}">
         <p14:creationId xmlns:p14="http://schemas.microsoft.com/office/powerpoint/2010/main" val="3559042214"/>
-      </p:ext>
-    </p:extLst>
-  </p:cSld>
-  <p:clrMapOvr>
-    <a:masterClrMapping/>
-  </p:clrMapOvr>
-</p:sld>
-</file>
-
-<file path=ppt/slides/slide13.xml><?xml version="1.0" encoding="utf-8"?>
-<p:sld xmlns:a="http://schemas.openxmlformats.org/drawingml/2006/main" xmlns:r="http://schemas.openxmlformats.org/officeDocument/2006/relationships" xmlns:p="http://schemas.openxmlformats.org/presentationml/2006/main">
-  <p:cSld>
-    <p:spTree>
-      <p:nvGrpSpPr>
-        <p:cNvPr id="1" name=""/>
-        <p:cNvGrpSpPr/>
-        <p:nvPr/>
-      </p:nvGrpSpPr>
-      <p:grpSpPr>
-        <a:xfrm>
-          <a:off x="0" y="0"/>
-          <a:ext cx="0" cy="0"/>
-          <a:chOff x="0" y="0"/>
-          <a:chExt cx="0" cy="0"/>
-        </a:xfrm>
-      </p:grpSpPr>
-      <p:sp>
-        <p:nvSpPr>
-          <p:cNvPr id="2" name="Title 1">
-            <a:extLst>
-              <a:ext uri="{FF2B5EF4-FFF2-40B4-BE49-F238E27FC236}">
-                <a16:creationId xmlns:a16="http://schemas.microsoft.com/office/drawing/2014/main" id="{FA27C684-48D6-544C-969C-318ECA36E64E}"/>
-              </a:ext>
-            </a:extLst>
-          </p:cNvPr>
-          <p:cNvSpPr>
-            <a:spLocks noGrp="1"/>
-          </p:cNvSpPr>
-          <p:nvPr>
-            <p:ph type="title"/>
-          </p:nvPr>
-        </p:nvSpPr>
-        <p:spPr/>
-        <p:txBody>
-          <a:bodyPr/>
-          <a:lstStyle/>
-          <a:p>
-            <a:r>
-              <a:rPr lang="en-CH"/>
-              <a:t>Dimensionality Reduction - Advantages</a:t>
-            </a:r>
-          </a:p>
-        </p:txBody>
-      </p:sp>
-      <p:pic>
-        <p:nvPicPr>
-          <p:cNvPr id="6" name="Content Placeholder 5">
-            <a:extLst>
-              <a:ext uri="{FF2B5EF4-FFF2-40B4-BE49-F238E27FC236}">
-                <a16:creationId xmlns:a16="http://schemas.microsoft.com/office/drawing/2014/main" id="{FA0BEE12-A297-7B47-908E-4E8D23DA0532}"/>
-              </a:ext>
-            </a:extLst>
-          </p:cNvPr>
-          <p:cNvPicPr>
-            <a:picLocks noGrp="1" noChangeAspect="1"/>
-          </p:cNvPicPr>
-          <p:nvPr>
-            <p:ph idx="1"/>
-          </p:nvPr>
-        </p:nvPicPr>
-        <p:blipFill>
-          <a:blip r:embed="rId2"/>
-          <a:stretch>
-            <a:fillRect/>
-          </a:stretch>
-        </p:blipFill>
-        <p:spPr>
-          <a:xfrm>
-            <a:off x="494564" y="2619909"/>
-            <a:ext cx="11373492" cy="2804845"/>
-          </a:xfrm>
-          <a:prstGeom prst="rect">
-            <a:avLst/>
-          </a:prstGeom>
-        </p:spPr>
-      </p:pic>
-      <p:sp>
-        <p:nvSpPr>
-          <p:cNvPr id="4" name="Footer Placeholder 3">
-            <a:extLst>
-              <a:ext uri="{FF2B5EF4-FFF2-40B4-BE49-F238E27FC236}">
-                <a16:creationId xmlns:a16="http://schemas.microsoft.com/office/drawing/2014/main" id="{35E86B3F-EE2E-4541-93B4-ADEC999141B3}"/>
-              </a:ext>
-            </a:extLst>
-          </p:cNvPr>
-          <p:cNvSpPr>
-            <a:spLocks noGrp="1"/>
-          </p:cNvSpPr>
-          <p:nvPr>
-            <p:ph type="ftr" sz="quarter" idx="11"/>
-          </p:nvPr>
-        </p:nvSpPr>
-        <p:spPr/>
-        <p:txBody>
-          <a:bodyPr/>
-          <a:lstStyle/>
-          <a:p>
-            <a:r>
-              <a:rPr lang="en-GB"/>
-              <a:t>Umberto Michelucci, umberto.michelucci@toelt.ai</a:t>
-            </a:r>
-            <a:endParaRPr lang="en-CH"/>
-          </a:p>
-        </p:txBody>
-      </p:sp>
-      <p:sp>
-        <p:nvSpPr>
-          <p:cNvPr id="5" name="Slide Number Placeholder 4">
-            <a:extLst>
-              <a:ext uri="{FF2B5EF4-FFF2-40B4-BE49-F238E27FC236}">
-                <a16:creationId xmlns:a16="http://schemas.microsoft.com/office/drawing/2014/main" id="{5D4E7D94-6E26-9145-8F61-36FD2CDAEBD9}"/>
-              </a:ext>
-            </a:extLst>
-          </p:cNvPr>
-          <p:cNvSpPr>
-            <a:spLocks noGrp="1"/>
-          </p:cNvSpPr>
-          <p:nvPr>
-            <p:ph type="sldNum" sz="quarter" idx="12"/>
-          </p:nvPr>
-        </p:nvSpPr>
-        <p:spPr/>
-        <p:txBody>
-          <a:bodyPr/>
-          <a:lstStyle/>
-          <a:p>
-            <a:fld id="{41C020D8-235F-A74D-B997-F0D28FA98DD4}" type="slidenum">
-              <a:t>13</a:t>
-            </a:fld>
-            <a:endParaRPr lang="en-CH"/>
-          </a:p>
-        </p:txBody>
-      </p:sp>
-      <p:sp>
-        <p:nvSpPr>
-          <p:cNvPr id="7" name="TextBox 6">
-            <a:extLst>
-              <a:ext uri="{FF2B5EF4-FFF2-40B4-BE49-F238E27FC236}">
-                <a16:creationId xmlns:a16="http://schemas.microsoft.com/office/drawing/2014/main" id="{CE45DFB4-D10A-4044-A1FF-86F8DEDDA0F8}"/>
-              </a:ext>
-            </a:extLst>
-          </p:cNvPr>
-          <p:cNvSpPr txBox="1"/>
-          <p:nvPr/>
-        </p:nvSpPr>
-        <p:spPr>
-          <a:xfrm>
-            <a:off x="70764" y="6110157"/>
-            <a:ext cx="11799658" cy="276999"/>
-          </a:xfrm>
-          <a:prstGeom prst="rect">
-            <a:avLst/>
-          </a:prstGeom>
-          <a:noFill/>
-        </p:spPr>
-        <p:txBody>
-          <a:bodyPr wrap="square">
-            <a:spAutoFit/>
-          </a:bodyPr>
-          <a:lstStyle/>
-          <a:p>
-            <a:r>
-              <a:rPr lang="en-GB" sz="1200" b="0" i="0" u="none" strike="noStrike">
-                <a:solidFill>
-                  <a:srgbClr val="222222"/>
-                </a:solidFill>
-                <a:effectLst/>
-                <a:latin typeface="Franklin Gothic Book" panose="020B0503020102020204" pitchFamily="34" charset="0"/>
-              </a:rPr>
-              <a:t>Michelucci, Umberto. "An Introduction to Autoencoders." </a:t>
-            </a:r>
-            <a:r>
-              <a:rPr lang="en-GB" sz="1200" b="0" i="1" u="none" strike="noStrike">
-                <a:solidFill>
-                  <a:srgbClr val="222222"/>
-                </a:solidFill>
-                <a:effectLst/>
-                <a:latin typeface="Franklin Gothic Book" panose="020B0503020102020204" pitchFamily="34" charset="0"/>
-              </a:rPr>
-              <a:t>arXiv preprint arXiv:2201.03898</a:t>
-            </a:r>
-            <a:r>
-              <a:rPr lang="en-GB" sz="1200" b="0" i="0" u="none" strike="noStrike">
-                <a:solidFill>
-                  <a:srgbClr val="222222"/>
-                </a:solidFill>
-                <a:effectLst/>
-                <a:latin typeface="Franklin Gothic Book" panose="020B0503020102020204" pitchFamily="34" charset="0"/>
-              </a:rPr>
-              <a:t> (2022).</a:t>
-            </a:r>
-            <a:endParaRPr lang="en-CH" sz="1200">
-              <a:latin typeface="Franklin Gothic Book" panose="020B0503020102020204" pitchFamily="34" charset="0"/>
-            </a:endParaRPr>
-          </a:p>
-        </p:txBody>
-      </p:sp>
-    </p:spTree>
-    <p:extLst>
-      <p:ext uri="{BB962C8B-B14F-4D97-AF65-F5344CB8AC3E}">
-        <p14:creationId xmlns:p14="http://schemas.microsoft.com/office/powerpoint/2010/main" val="2400114587"/>
       </p:ext>
     </p:extLst>
   </p:cSld>
@@ -4752,70 +4765,10 @@
       </p:grpSpPr>
       <p:sp>
         <p:nvSpPr>
-          <p:cNvPr id="2" name="Title 1">
-            <a:extLst>
-              <a:ext uri="{FF2B5EF4-FFF2-40B4-BE49-F238E27FC236}">
-                <a16:creationId xmlns:a16="http://schemas.microsoft.com/office/drawing/2014/main" id="{1983AFB8-B733-D74D-8AAB-D76D3C1A9D6B}"/>
-              </a:ext>
-            </a:extLst>
-          </p:cNvPr>
-          <p:cNvSpPr>
-            <a:spLocks noGrp="1"/>
-          </p:cNvSpPr>
-          <p:nvPr>
-            <p:ph type="title"/>
-          </p:nvPr>
-        </p:nvSpPr>
-        <p:spPr/>
-        <p:txBody>
-          <a:bodyPr/>
-          <a:lstStyle/>
-          <a:p>
-            <a:r>
-              <a:rPr lang="en-CH"/>
-              <a:t>Latent Features for classification (kNN with k=7)</a:t>
-            </a:r>
-          </a:p>
-        </p:txBody>
-      </p:sp>
-      <p:pic>
-        <p:nvPicPr>
-          <p:cNvPr id="6" name="Content Placeholder 5">
-            <a:extLst>
-              <a:ext uri="{FF2B5EF4-FFF2-40B4-BE49-F238E27FC236}">
-                <a16:creationId xmlns:a16="http://schemas.microsoft.com/office/drawing/2014/main" id="{7BF52A0C-BA68-DF42-B71E-A0A65E978D92}"/>
-              </a:ext>
-            </a:extLst>
-          </p:cNvPr>
-          <p:cNvPicPr>
-            <a:picLocks noGrp="1" noChangeAspect="1"/>
-          </p:cNvPicPr>
-          <p:nvPr>
-            <p:ph idx="1"/>
-          </p:nvPr>
-        </p:nvPicPr>
-        <p:blipFill>
-          <a:blip r:embed="rId2"/>
-          <a:stretch>
-            <a:fillRect/>
-          </a:stretch>
-        </p:blipFill>
-        <p:spPr>
-          <a:xfrm>
-            <a:off x="1193800" y="2680494"/>
-            <a:ext cx="9804400" cy="2641600"/>
-          </a:xfrm>
-          <a:prstGeom prst="rect">
-            <a:avLst/>
-          </a:prstGeom>
-        </p:spPr>
-      </p:pic>
-      <p:sp>
-        <p:nvSpPr>
-          <p:cNvPr id="4" name="Footer Placeholder 3">
-            <a:extLst>
-              <a:ext uri="{FF2B5EF4-FFF2-40B4-BE49-F238E27FC236}">
-                <a16:creationId xmlns:a16="http://schemas.microsoft.com/office/drawing/2014/main" id="{23355A19-5290-F948-9609-0B507A46A2C2}"/>
+          <p:cNvPr id="2" name="Footer Placeholder 1">
+            <a:extLst>
+              <a:ext uri="{FF2B5EF4-FFF2-40B4-BE49-F238E27FC236}">
+                <a16:creationId xmlns:a16="http://schemas.microsoft.com/office/drawing/2014/main" id="{2801A61F-99CB-2848-BA90-CB4CB804A252}"/>
               </a:ext>
             </a:extLst>
           </p:cNvPr>
@@ -4841,10 +4794,10 @@
       </p:sp>
       <p:sp>
         <p:nvSpPr>
-          <p:cNvPr id="5" name="Slide Number Placeholder 4">
-            <a:extLst>
-              <a:ext uri="{FF2B5EF4-FFF2-40B4-BE49-F238E27FC236}">
-                <a16:creationId xmlns:a16="http://schemas.microsoft.com/office/drawing/2014/main" id="{ECD1B7B2-2E01-D64A-8C4A-130D369AE43D}"/>
+          <p:cNvPr id="3" name="Slide Number Placeholder 2">
+            <a:extLst>
+              <a:ext uri="{FF2B5EF4-FFF2-40B4-BE49-F238E27FC236}">
+                <a16:creationId xmlns:a16="http://schemas.microsoft.com/office/drawing/2014/main" id="{562024D1-202C-5745-9464-89CCE360EC09}"/>
               </a:ext>
             </a:extLst>
           </p:cNvPr>
@@ -4867,74 +4820,10 @@
           </a:p>
         </p:txBody>
       </p:sp>
-      <p:sp>
-        <p:nvSpPr>
-          <p:cNvPr id="7" name="TextBox 6">
-            <a:extLst>
-              <a:ext uri="{FF2B5EF4-FFF2-40B4-BE49-F238E27FC236}">
-                <a16:creationId xmlns:a16="http://schemas.microsoft.com/office/drawing/2014/main" id="{A675E0C3-05C7-6244-8A5A-0F5F3E8FBC8F}"/>
-              </a:ext>
-            </a:extLst>
-          </p:cNvPr>
-          <p:cNvSpPr txBox="1"/>
-          <p:nvPr/>
-        </p:nvSpPr>
-        <p:spPr>
-          <a:xfrm>
-            <a:off x="70764" y="6110157"/>
-            <a:ext cx="11799658" cy="276999"/>
-          </a:xfrm>
-          <a:prstGeom prst="rect">
-            <a:avLst/>
-          </a:prstGeom>
-          <a:noFill/>
-        </p:spPr>
-        <p:txBody>
-          <a:bodyPr wrap="square">
-            <a:spAutoFit/>
-          </a:bodyPr>
-          <a:lstStyle/>
-          <a:p>
-            <a:r>
-              <a:rPr lang="en-GB" sz="1200" b="0" i="0" u="none" strike="noStrike">
-                <a:solidFill>
-                  <a:srgbClr val="222222"/>
-                </a:solidFill>
-                <a:effectLst/>
-                <a:latin typeface="Franklin Gothic Book" panose="020B0503020102020204" pitchFamily="34" charset="0"/>
-              </a:rPr>
-              <a:t>Michelucci, Umberto. "An Introduction to Autoencoders." </a:t>
-            </a:r>
-            <a:r>
-              <a:rPr lang="en-GB" sz="1200" b="0" i="1" u="none" strike="noStrike">
-                <a:solidFill>
-                  <a:srgbClr val="222222"/>
-                </a:solidFill>
-                <a:effectLst/>
-                <a:latin typeface="Franklin Gothic Book" panose="020B0503020102020204" pitchFamily="34" charset="0"/>
-              </a:rPr>
-              <a:t>arXiv preprint arXiv:2201.03898</a:t>
-            </a:r>
-            <a:r>
-              <a:rPr lang="en-GB" sz="1200" b="0" i="0" u="none" strike="noStrike">
-                <a:solidFill>
-                  <a:srgbClr val="222222"/>
-                </a:solidFill>
-                <a:effectLst/>
-                <a:latin typeface="Franklin Gothic Book" panose="020B0503020102020204" pitchFamily="34" charset="0"/>
-              </a:rPr>
-              <a:t> (2022).</a:t>
-            </a:r>
-            <a:endParaRPr lang="en-CH" sz="1200">
-              <a:latin typeface="Franklin Gothic Book" panose="020B0503020102020204" pitchFamily="34" charset="0"/>
-            </a:endParaRPr>
-          </a:p>
-        </p:txBody>
-      </p:sp>
     </p:spTree>
     <p:extLst>
       <p:ext uri="{BB962C8B-B14F-4D97-AF65-F5344CB8AC3E}">
-        <p14:creationId xmlns:p14="http://schemas.microsoft.com/office/powerpoint/2010/main" val="1092523002"/>
+        <p14:creationId xmlns:p14="http://schemas.microsoft.com/office/powerpoint/2010/main" val="3797165472"/>
       </p:ext>
     </p:extLst>
   </p:cSld>
@@ -4966,6 +4855,217 @@
           <p:cNvPr id="2" name="Title 1">
             <a:extLst>
               <a:ext uri="{FF2B5EF4-FFF2-40B4-BE49-F238E27FC236}">
+                <a16:creationId xmlns:a16="http://schemas.microsoft.com/office/drawing/2014/main" id="{FA27C684-48D6-544C-969C-318ECA36E64E}"/>
+              </a:ext>
+            </a:extLst>
+          </p:cNvPr>
+          <p:cNvSpPr>
+            <a:spLocks noGrp="1"/>
+          </p:cNvSpPr>
+          <p:nvPr>
+            <p:ph type="title"/>
+          </p:nvPr>
+        </p:nvSpPr>
+        <p:spPr/>
+        <p:txBody>
+          <a:bodyPr/>
+          <a:lstStyle/>
+          <a:p>
+            <a:r>
+              <a:rPr lang="en-CH"/>
+              <a:t>Dimensionality Reduction - Advantages</a:t>
+            </a:r>
+          </a:p>
+        </p:txBody>
+      </p:sp>
+      <p:pic>
+        <p:nvPicPr>
+          <p:cNvPr id="6" name="Content Placeholder 5">
+            <a:extLst>
+              <a:ext uri="{FF2B5EF4-FFF2-40B4-BE49-F238E27FC236}">
+                <a16:creationId xmlns:a16="http://schemas.microsoft.com/office/drawing/2014/main" id="{FA0BEE12-A297-7B47-908E-4E8D23DA0532}"/>
+              </a:ext>
+            </a:extLst>
+          </p:cNvPr>
+          <p:cNvPicPr>
+            <a:picLocks noGrp="1" noChangeAspect="1"/>
+          </p:cNvPicPr>
+          <p:nvPr>
+            <p:ph idx="1"/>
+          </p:nvPr>
+        </p:nvPicPr>
+        <p:blipFill>
+          <a:blip r:embed="rId2"/>
+          <a:stretch>
+            <a:fillRect/>
+          </a:stretch>
+        </p:blipFill>
+        <p:spPr>
+          <a:xfrm>
+            <a:off x="494564" y="2619909"/>
+            <a:ext cx="11373492" cy="2804845"/>
+          </a:xfrm>
+          <a:prstGeom prst="rect">
+            <a:avLst/>
+          </a:prstGeom>
+        </p:spPr>
+      </p:pic>
+      <p:sp>
+        <p:nvSpPr>
+          <p:cNvPr id="4" name="Footer Placeholder 3">
+            <a:extLst>
+              <a:ext uri="{FF2B5EF4-FFF2-40B4-BE49-F238E27FC236}">
+                <a16:creationId xmlns:a16="http://schemas.microsoft.com/office/drawing/2014/main" id="{35E86B3F-EE2E-4541-93B4-ADEC999141B3}"/>
+              </a:ext>
+            </a:extLst>
+          </p:cNvPr>
+          <p:cNvSpPr>
+            <a:spLocks noGrp="1"/>
+          </p:cNvSpPr>
+          <p:nvPr>
+            <p:ph type="ftr" sz="quarter" idx="11"/>
+          </p:nvPr>
+        </p:nvSpPr>
+        <p:spPr/>
+        <p:txBody>
+          <a:bodyPr/>
+          <a:lstStyle/>
+          <a:p>
+            <a:r>
+              <a:rPr lang="en-GB"/>
+              <a:t>Umberto Michelucci, umberto.michelucci@toelt.ai</a:t>
+            </a:r>
+            <a:endParaRPr lang="en-CH"/>
+          </a:p>
+        </p:txBody>
+      </p:sp>
+      <p:sp>
+        <p:nvSpPr>
+          <p:cNvPr id="5" name="Slide Number Placeholder 4">
+            <a:extLst>
+              <a:ext uri="{FF2B5EF4-FFF2-40B4-BE49-F238E27FC236}">
+                <a16:creationId xmlns:a16="http://schemas.microsoft.com/office/drawing/2014/main" id="{5D4E7D94-6E26-9145-8F61-36FD2CDAEBD9}"/>
+              </a:ext>
+            </a:extLst>
+          </p:cNvPr>
+          <p:cNvSpPr>
+            <a:spLocks noGrp="1"/>
+          </p:cNvSpPr>
+          <p:nvPr>
+            <p:ph type="sldNum" sz="quarter" idx="12"/>
+          </p:nvPr>
+        </p:nvSpPr>
+        <p:spPr/>
+        <p:txBody>
+          <a:bodyPr/>
+          <a:lstStyle/>
+          <a:p>
+            <a:fld id="{41C020D8-235F-A74D-B997-F0D28FA98DD4}" type="slidenum">
+              <a:t>15</a:t>
+            </a:fld>
+            <a:endParaRPr lang="en-CH"/>
+          </a:p>
+        </p:txBody>
+      </p:sp>
+      <p:sp>
+        <p:nvSpPr>
+          <p:cNvPr id="7" name="TextBox 6">
+            <a:extLst>
+              <a:ext uri="{FF2B5EF4-FFF2-40B4-BE49-F238E27FC236}">
+                <a16:creationId xmlns:a16="http://schemas.microsoft.com/office/drawing/2014/main" id="{CE45DFB4-D10A-4044-A1FF-86F8DEDDA0F8}"/>
+              </a:ext>
+            </a:extLst>
+          </p:cNvPr>
+          <p:cNvSpPr txBox="1"/>
+          <p:nvPr/>
+        </p:nvSpPr>
+        <p:spPr>
+          <a:xfrm>
+            <a:off x="70764" y="6110157"/>
+            <a:ext cx="11799658" cy="276999"/>
+          </a:xfrm>
+          <a:prstGeom prst="rect">
+            <a:avLst/>
+          </a:prstGeom>
+          <a:noFill/>
+        </p:spPr>
+        <p:txBody>
+          <a:bodyPr wrap="square">
+            <a:spAutoFit/>
+          </a:bodyPr>
+          <a:lstStyle/>
+          <a:p>
+            <a:r>
+              <a:rPr lang="en-GB" sz="1200" b="0" i="0" u="none" strike="noStrike">
+                <a:solidFill>
+                  <a:srgbClr val="222222"/>
+                </a:solidFill>
+                <a:effectLst/>
+                <a:latin typeface="Franklin Gothic Book" panose="020B0503020102020204" pitchFamily="34" charset="0"/>
+              </a:rPr>
+              <a:t>Michelucci, Umberto. "An Introduction to Autoencoders." </a:t>
+            </a:r>
+            <a:r>
+              <a:rPr lang="en-GB" sz="1200" b="0" i="1" u="none" strike="noStrike">
+                <a:solidFill>
+                  <a:srgbClr val="222222"/>
+                </a:solidFill>
+                <a:effectLst/>
+                <a:latin typeface="Franklin Gothic Book" panose="020B0503020102020204" pitchFamily="34" charset="0"/>
+              </a:rPr>
+              <a:t>arXiv preprint arXiv:2201.03898</a:t>
+            </a:r>
+            <a:r>
+              <a:rPr lang="en-GB" sz="1200" b="0" i="0" u="none" strike="noStrike">
+                <a:solidFill>
+                  <a:srgbClr val="222222"/>
+                </a:solidFill>
+                <a:effectLst/>
+                <a:latin typeface="Franklin Gothic Book" panose="020B0503020102020204" pitchFamily="34" charset="0"/>
+              </a:rPr>
+              <a:t> (2022).</a:t>
+            </a:r>
+            <a:endParaRPr lang="en-CH" sz="1200">
+              <a:latin typeface="Franklin Gothic Book" panose="020B0503020102020204" pitchFamily="34" charset="0"/>
+            </a:endParaRPr>
+          </a:p>
+        </p:txBody>
+      </p:sp>
+    </p:spTree>
+    <p:extLst>
+      <p:ext uri="{BB962C8B-B14F-4D97-AF65-F5344CB8AC3E}">
+        <p14:creationId xmlns:p14="http://schemas.microsoft.com/office/powerpoint/2010/main" val="2400114587"/>
+      </p:ext>
+    </p:extLst>
+  </p:cSld>
+  <p:clrMapOvr>
+    <a:masterClrMapping/>
+  </p:clrMapOvr>
+</p:sld>
+</file>
+
+<file path=ppt/slides/slide16.xml><?xml version="1.0" encoding="utf-8"?>
+<p:sld xmlns:a="http://schemas.openxmlformats.org/drawingml/2006/main" xmlns:r="http://schemas.openxmlformats.org/officeDocument/2006/relationships" xmlns:p="http://schemas.openxmlformats.org/presentationml/2006/main">
+  <p:cSld>
+    <p:spTree>
+      <p:nvGrpSpPr>
+        <p:cNvPr id="1" name=""/>
+        <p:cNvGrpSpPr/>
+        <p:nvPr/>
+      </p:nvGrpSpPr>
+      <p:grpSpPr>
+        <a:xfrm>
+          <a:off x="0" y="0"/>
+          <a:ext cx="0" cy="0"/>
+          <a:chOff x="0" y="0"/>
+          <a:chExt cx="0" cy="0"/>
+        </a:xfrm>
+      </p:grpSpPr>
+      <p:sp>
+        <p:nvSpPr>
+          <p:cNvPr id="2" name="Title 1">
+            <a:extLst>
+              <a:ext uri="{FF2B5EF4-FFF2-40B4-BE49-F238E27FC236}">
                 <a16:creationId xmlns:a16="http://schemas.microsoft.com/office/drawing/2014/main" id="{1983AFB8-B733-D74D-8AAB-D76D3C1A9D6B}"/>
               </a:ext>
             </a:extLst>
@@ -4989,6 +5089,38 @@
           </a:p>
         </p:txBody>
       </p:sp>
+      <p:pic>
+        <p:nvPicPr>
+          <p:cNvPr id="6" name="Content Placeholder 5">
+            <a:extLst>
+              <a:ext uri="{FF2B5EF4-FFF2-40B4-BE49-F238E27FC236}">
+                <a16:creationId xmlns:a16="http://schemas.microsoft.com/office/drawing/2014/main" id="{7BF52A0C-BA68-DF42-B71E-A0A65E978D92}"/>
+              </a:ext>
+            </a:extLst>
+          </p:cNvPr>
+          <p:cNvPicPr>
+            <a:picLocks noGrp="1" noChangeAspect="1"/>
+          </p:cNvPicPr>
+          <p:nvPr>
+            <p:ph idx="1"/>
+          </p:nvPr>
+        </p:nvPicPr>
+        <p:blipFill>
+          <a:blip r:embed="rId2"/>
+          <a:stretch>
+            <a:fillRect/>
+          </a:stretch>
+        </p:blipFill>
+        <p:spPr>
+          <a:xfrm>
+            <a:off x="1193800" y="2680494"/>
+            <a:ext cx="9804400" cy="2641600"/>
+          </a:xfrm>
+          <a:prstGeom prst="rect">
+            <a:avLst/>
+          </a:prstGeom>
+        </p:spPr>
+      </p:pic>
       <p:sp>
         <p:nvSpPr>
           <p:cNvPr id="4" name="Footer Placeholder 3">
@@ -5040,7 +5172,186 @@
           <a:lstStyle/>
           <a:p>
             <a:fld id="{41C020D8-235F-A74D-B997-F0D28FA98DD4}" type="slidenum">
-              <a:t>15</a:t>
+              <a:t>16</a:t>
+            </a:fld>
+            <a:endParaRPr lang="en-CH"/>
+          </a:p>
+        </p:txBody>
+      </p:sp>
+      <p:sp>
+        <p:nvSpPr>
+          <p:cNvPr id="7" name="TextBox 6">
+            <a:extLst>
+              <a:ext uri="{FF2B5EF4-FFF2-40B4-BE49-F238E27FC236}">
+                <a16:creationId xmlns:a16="http://schemas.microsoft.com/office/drawing/2014/main" id="{A675E0C3-05C7-6244-8A5A-0F5F3E8FBC8F}"/>
+              </a:ext>
+            </a:extLst>
+          </p:cNvPr>
+          <p:cNvSpPr txBox="1"/>
+          <p:nvPr/>
+        </p:nvSpPr>
+        <p:spPr>
+          <a:xfrm>
+            <a:off x="70764" y="6110157"/>
+            <a:ext cx="11799658" cy="276999"/>
+          </a:xfrm>
+          <a:prstGeom prst="rect">
+            <a:avLst/>
+          </a:prstGeom>
+          <a:noFill/>
+        </p:spPr>
+        <p:txBody>
+          <a:bodyPr wrap="square">
+            <a:spAutoFit/>
+          </a:bodyPr>
+          <a:lstStyle/>
+          <a:p>
+            <a:r>
+              <a:rPr lang="en-GB" sz="1200" b="0" i="0" u="none" strike="noStrike">
+                <a:solidFill>
+                  <a:srgbClr val="222222"/>
+                </a:solidFill>
+                <a:effectLst/>
+                <a:latin typeface="Franklin Gothic Book" panose="020B0503020102020204" pitchFamily="34" charset="0"/>
+              </a:rPr>
+              <a:t>Michelucci, Umberto. "An Introduction to Autoencoders." </a:t>
+            </a:r>
+            <a:r>
+              <a:rPr lang="en-GB" sz="1200" b="0" i="1" u="none" strike="noStrike">
+                <a:solidFill>
+                  <a:srgbClr val="222222"/>
+                </a:solidFill>
+                <a:effectLst/>
+                <a:latin typeface="Franklin Gothic Book" panose="020B0503020102020204" pitchFamily="34" charset="0"/>
+              </a:rPr>
+              <a:t>arXiv preprint arXiv:2201.03898</a:t>
+            </a:r>
+            <a:r>
+              <a:rPr lang="en-GB" sz="1200" b="0" i="0" u="none" strike="noStrike">
+                <a:solidFill>
+                  <a:srgbClr val="222222"/>
+                </a:solidFill>
+                <a:effectLst/>
+                <a:latin typeface="Franklin Gothic Book" panose="020B0503020102020204" pitchFamily="34" charset="0"/>
+              </a:rPr>
+              <a:t> (2022).</a:t>
+            </a:r>
+            <a:endParaRPr lang="en-CH" sz="1200">
+              <a:latin typeface="Franklin Gothic Book" panose="020B0503020102020204" pitchFamily="34" charset="0"/>
+            </a:endParaRPr>
+          </a:p>
+        </p:txBody>
+      </p:sp>
+    </p:spTree>
+    <p:extLst>
+      <p:ext uri="{BB962C8B-B14F-4D97-AF65-F5344CB8AC3E}">
+        <p14:creationId xmlns:p14="http://schemas.microsoft.com/office/powerpoint/2010/main" val="1092523002"/>
+      </p:ext>
+    </p:extLst>
+  </p:cSld>
+  <p:clrMapOvr>
+    <a:masterClrMapping/>
+  </p:clrMapOvr>
+</p:sld>
+</file>
+
+<file path=ppt/slides/slide17.xml><?xml version="1.0" encoding="utf-8"?>
+<p:sld xmlns:a="http://schemas.openxmlformats.org/drawingml/2006/main" xmlns:r="http://schemas.openxmlformats.org/officeDocument/2006/relationships" xmlns:p="http://schemas.openxmlformats.org/presentationml/2006/main">
+  <p:cSld>
+    <p:spTree>
+      <p:nvGrpSpPr>
+        <p:cNvPr id="1" name=""/>
+        <p:cNvGrpSpPr/>
+        <p:nvPr/>
+      </p:nvGrpSpPr>
+      <p:grpSpPr>
+        <a:xfrm>
+          <a:off x="0" y="0"/>
+          <a:ext cx="0" cy="0"/>
+          <a:chOff x="0" y="0"/>
+          <a:chExt cx="0" cy="0"/>
+        </a:xfrm>
+      </p:grpSpPr>
+      <p:sp>
+        <p:nvSpPr>
+          <p:cNvPr id="2" name="Title 1">
+            <a:extLst>
+              <a:ext uri="{FF2B5EF4-FFF2-40B4-BE49-F238E27FC236}">
+                <a16:creationId xmlns:a16="http://schemas.microsoft.com/office/drawing/2014/main" id="{1983AFB8-B733-D74D-8AAB-D76D3C1A9D6B}"/>
+              </a:ext>
+            </a:extLst>
+          </p:cNvPr>
+          <p:cNvSpPr>
+            <a:spLocks noGrp="1"/>
+          </p:cNvSpPr>
+          <p:nvPr>
+            <p:ph type="title"/>
+          </p:nvPr>
+        </p:nvSpPr>
+        <p:spPr/>
+        <p:txBody>
+          <a:bodyPr/>
+          <a:lstStyle/>
+          <a:p>
+            <a:r>
+              <a:rPr lang="en-CH"/>
+              <a:t>Latent Features for classification (kNN with k=7)</a:t>
+            </a:r>
+          </a:p>
+        </p:txBody>
+      </p:sp>
+      <p:sp>
+        <p:nvSpPr>
+          <p:cNvPr id="4" name="Footer Placeholder 3">
+            <a:extLst>
+              <a:ext uri="{FF2B5EF4-FFF2-40B4-BE49-F238E27FC236}">
+                <a16:creationId xmlns:a16="http://schemas.microsoft.com/office/drawing/2014/main" id="{23355A19-5290-F948-9609-0B507A46A2C2}"/>
+              </a:ext>
+            </a:extLst>
+          </p:cNvPr>
+          <p:cNvSpPr>
+            <a:spLocks noGrp="1"/>
+          </p:cNvSpPr>
+          <p:nvPr>
+            <p:ph type="ftr" sz="quarter" idx="11"/>
+          </p:nvPr>
+        </p:nvSpPr>
+        <p:spPr/>
+        <p:txBody>
+          <a:bodyPr/>
+          <a:lstStyle/>
+          <a:p>
+            <a:r>
+              <a:rPr lang="en-GB"/>
+              <a:t>Umberto Michelucci, umberto.michelucci@toelt.ai</a:t>
+            </a:r>
+            <a:endParaRPr lang="en-CH"/>
+          </a:p>
+        </p:txBody>
+      </p:sp>
+      <p:sp>
+        <p:nvSpPr>
+          <p:cNvPr id="5" name="Slide Number Placeholder 4">
+            <a:extLst>
+              <a:ext uri="{FF2B5EF4-FFF2-40B4-BE49-F238E27FC236}">
+                <a16:creationId xmlns:a16="http://schemas.microsoft.com/office/drawing/2014/main" id="{ECD1B7B2-2E01-D64A-8C4A-130D369AE43D}"/>
+              </a:ext>
+            </a:extLst>
+          </p:cNvPr>
+          <p:cNvSpPr>
+            <a:spLocks noGrp="1"/>
+          </p:cNvSpPr>
+          <p:nvPr>
+            <p:ph type="sldNum" sz="quarter" idx="12"/>
+          </p:nvPr>
+        </p:nvSpPr>
+        <p:spPr/>
+        <p:txBody>
+          <a:bodyPr/>
+          <a:lstStyle/>
+          <a:p>
+            <a:fld id="{41C020D8-235F-A74D-B997-F0D28FA98DD4}" type="slidenum">
+              <a:t>17</a:t>
             </a:fld>
             <a:endParaRPr lang="en-CH"/>
           </a:p>
@@ -5153,7 +5464,7 @@
 </p:sld>
 </file>
 
-<file path=ppt/slides/slide16.xml><?xml version="1.0" encoding="utf-8"?>
+<file path=ppt/slides/slide18.xml><?xml version="1.0" encoding="utf-8"?>
 <p:sld xmlns:a="http://schemas.openxmlformats.org/drawingml/2006/main" xmlns:r="http://schemas.openxmlformats.org/officeDocument/2006/relationships" xmlns:p="http://schemas.openxmlformats.org/presentationml/2006/main">
   <p:cSld>
     <p:spTree>
@@ -5281,7 +5592,7 @@
           <a:lstStyle/>
           <a:p>
             <a:fld id="{41C020D8-235F-A74D-B997-F0D28FA98DD4}" type="slidenum">
-              <a:t>16</a:t>
+              <a:t>18</a:t>
             </a:fld>
             <a:endParaRPr lang="en-CH"/>
           </a:p>
@@ -5364,7 +5675,7 @@
 </p:sld>
 </file>
 
-<file path=ppt/slides/slide17.xml><?xml version="1.0" encoding="utf-8"?>
+<file path=ppt/slides/slide19.xml><?xml version="1.0" encoding="utf-8"?>
 <p:sld xmlns:a="http://schemas.openxmlformats.org/drawingml/2006/main" xmlns:r="http://schemas.openxmlformats.org/officeDocument/2006/relationships" xmlns:p="http://schemas.openxmlformats.org/presentationml/2006/main">
   <p:cSld>
     <p:spTree>
@@ -5492,7 +5803,7 @@
           <a:lstStyle/>
           <a:p>
             <a:fld id="{41C020D8-235F-A74D-B997-F0D28FA98DD4}" type="slidenum">
-              <a:t>17</a:t>
+              <a:t>19</a:t>
             </a:fld>
             <a:endParaRPr lang="en-CH"/>
           </a:p>
@@ -5632,7 +5943,7 @@
 </p:sld>
 </file>
 
-<file path=ppt/slides/slide18.xml><?xml version="1.0" encoding="utf-8"?>
+<file path=ppt/slides/slide2.xml><?xml version="1.0" encoding="utf-8"?>
 <p:sld xmlns:a="http://schemas.openxmlformats.org/drawingml/2006/main" xmlns:r="http://schemas.openxmlformats.org/officeDocument/2006/relationships" xmlns:p="http://schemas.openxmlformats.org/presentationml/2006/main">
   <p:cSld>
     <p:spTree>
@@ -5651,6 +5962,93 @@
       </p:grpSpPr>
       <p:sp>
         <p:nvSpPr>
+          <p:cNvPr id="2" name="Footer Placeholder 1">
+            <a:extLst>
+              <a:ext uri="{FF2B5EF4-FFF2-40B4-BE49-F238E27FC236}">
+                <a16:creationId xmlns:a16="http://schemas.microsoft.com/office/drawing/2014/main" id="{371DAEF0-A1D9-314E-AE29-0554FCB4B00C}"/>
+              </a:ext>
+            </a:extLst>
+          </p:cNvPr>
+          <p:cNvSpPr>
+            <a:spLocks noGrp="1"/>
+          </p:cNvSpPr>
+          <p:nvPr>
+            <p:ph type="ftr" sz="quarter" idx="11"/>
+          </p:nvPr>
+        </p:nvSpPr>
+        <p:spPr/>
+        <p:txBody>
+          <a:bodyPr/>
+          <a:lstStyle/>
+          <a:p>
+            <a:r>
+              <a:rPr lang="en-GB"/>
+              <a:t>Umberto Michelucci, umberto.michelucci@toelt.ai</a:t>
+            </a:r>
+            <a:endParaRPr lang="en-CH"/>
+          </a:p>
+        </p:txBody>
+      </p:sp>
+      <p:sp>
+        <p:nvSpPr>
+          <p:cNvPr id="3" name="Slide Number Placeholder 2">
+            <a:extLst>
+              <a:ext uri="{FF2B5EF4-FFF2-40B4-BE49-F238E27FC236}">
+                <a16:creationId xmlns:a16="http://schemas.microsoft.com/office/drawing/2014/main" id="{87E3E9AE-0CB1-8847-A8C1-69431E1B9249}"/>
+              </a:ext>
+            </a:extLst>
+          </p:cNvPr>
+          <p:cNvSpPr>
+            <a:spLocks noGrp="1"/>
+          </p:cNvSpPr>
+          <p:nvPr>
+            <p:ph type="sldNum" sz="quarter" idx="12"/>
+          </p:nvPr>
+        </p:nvSpPr>
+        <p:spPr/>
+        <p:txBody>
+          <a:bodyPr/>
+          <a:lstStyle/>
+          <a:p>
+            <a:fld id="{41C020D8-235F-A74D-B997-F0D28FA98DD4}" type="slidenum">
+              <a:t>2</a:t>
+            </a:fld>
+            <a:endParaRPr lang="en-CH"/>
+          </a:p>
+        </p:txBody>
+      </p:sp>
+    </p:spTree>
+    <p:extLst>
+      <p:ext uri="{BB962C8B-B14F-4D97-AF65-F5344CB8AC3E}">
+        <p14:creationId xmlns:p14="http://schemas.microsoft.com/office/powerpoint/2010/main" val="1717546900"/>
+      </p:ext>
+    </p:extLst>
+  </p:cSld>
+  <p:clrMapOvr>
+    <a:masterClrMapping/>
+  </p:clrMapOvr>
+</p:sld>
+</file>
+
+<file path=ppt/slides/slide20.xml><?xml version="1.0" encoding="utf-8"?>
+<p:sld xmlns:a="http://schemas.openxmlformats.org/drawingml/2006/main" xmlns:r="http://schemas.openxmlformats.org/officeDocument/2006/relationships" xmlns:p="http://schemas.openxmlformats.org/presentationml/2006/main">
+  <p:cSld>
+    <p:spTree>
+      <p:nvGrpSpPr>
+        <p:cNvPr id="1" name=""/>
+        <p:cNvGrpSpPr/>
+        <p:nvPr/>
+      </p:nvGrpSpPr>
+      <p:grpSpPr>
+        <a:xfrm>
+          <a:off x="0" y="0"/>
+          <a:ext cx="0" cy="0"/>
+          <a:chOff x="0" y="0"/>
+          <a:chExt cx="0" cy="0"/>
+        </a:xfrm>
+      </p:grpSpPr>
+      <p:sp>
+        <p:nvSpPr>
           <p:cNvPr id="2" name="Title 1">
             <a:extLst>
               <a:ext uri="{FF2B5EF4-FFF2-40B4-BE49-F238E27FC236}">
@@ -5733,7 +6131,7 @@
           <a:lstStyle/>
           <a:p>
             <a:fld id="{41C020D8-235F-A74D-B997-F0D28FA98DD4}" type="slidenum">
-              <a:t>18</a:t>
+              <a:t>20</a:t>
             </a:fld>
             <a:endParaRPr lang="en-CH"/>
           </a:p>
@@ -5876,7 +6274,7 @@
 </p:sld>
 </file>
 
-<file path=ppt/slides/slide19.xml><?xml version="1.0" encoding="utf-8"?>
+<file path=ppt/slides/slide21.xml><?xml version="1.0" encoding="utf-8"?>
 <p:sld xmlns:a="http://schemas.openxmlformats.org/drawingml/2006/main" xmlns:r="http://schemas.openxmlformats.org/officeDocument/2006/relationships" xmlns:p="http://schemas.openxmlformats.org/presentationml/2006/main">
   <p:cSld>
     <p:spTree>
@@ -6004,7 +6402,7 @@
           <a:lstStyle/>
           <a:p>
             <a:fld id="{41C020D8-235F-A74D-B997-F0D28FA98DD4}" type="slidenum">
-              <a:t>19</a:t>
+              <a:t>21</a:t>
             </a:fld>
             <a:endParaRPr lang="en-CH"/>
           </a:p>
@@ -6078,784 +6476,6 @@
     <p:extLst>
       <p:ext uri="{BB962C8B-B14F-4D97-AF65-F5344CB8AC3E}">
         <p14:creationId xmlns:p14="http://schemas.microsoft.com/office/powerpoint/2010/main" val="3612597014"/>
-      </p:ext>
-    </p:extLst>
-  </p:cSld>
-  <p:clrMapOvr>
-    <a:masterClrMapping/>
-  </p:clrMapOvr>
-</p:sld>
-</file>
-
-<file path=ppt/slides/slide2.xml><?xml version="1.0" encoding="utf-8"?>
-<p:sld xmlns:a="http://schemas.openxmlformats.org/drawingml/2006/main" xmlns:r="http://schemas.openxmlformats.org/officeDocument/2006/relationships" xmlns:p="http://schemas.openxmlformats.org/presentationml/2006/main">
-  <p:cSld>
-    <p:spTree>
-      <p:nvGrpSpPr>
-        <p:cNvPr id="1" name=""/>
-        <p:cNvGrpSpPr/>
-        <p:nvPr/>
-      </p:nvGrpSpPr>
-      <p:grpSpPr>
-        <a:xfrm>
-          <a:off x="0" y="0"/>
-          <a:ext cx="0" cy="0"/>
-          <a:chOff x="0" y="0"/>
-          <a:chExt cx="0" cy="0"/>
-        </a:xfrm>
-      </p:grpSpPr>
-      <p:sp>
-        <p:nvSpPr>
-          <p:cNvPr id="2" name="Title 1">
-            <a:extLst>
-              <a:ext uri="{FF2B5EF4-FFF2-40B4-BE49-F238E27FC236}">
-                <a16:creationId xmlns:a16="http://schemas.microsoft.com/office/drawing/2014/main" id="{45665A02-29C3-1944-AA8E-6C9CBF35A25E}"/>
-              </a:ext>
-            </a:extLst>
-          </p:cNvPr>
-          <p:cNvSpPr>
-            <a:spLocks noGrp="1"/>
-          </p:cNvSpPr>
-          <p:nvPr>
-            <p:ph type="title"/>
-          </p:nvPr>
-        </p:nvSpPr>
-        <p:spPr>
-          <a:xfrm>
-            <a:off x="326472" y="197345"/>
-            <a:ext cx="10515600" cy="811072"/>
-          </a:xfrm>
-        </p:spPr>
-        <p:txBody>
-          <a:bodyPr>
-            <a:normAutofit/>
-          </a:bodyPr>
-          <a:lstStyle/>
-          <a:p>
-            <a:r>
-              <a:rPr lang="en-CH"/>
-              <a:t>General Structure</a:t>
-            </a:r>
-          </a:p>
-        </p:txBody>
-      </p:sp>
-      <p:pic>
-        <p:nvPicPr>
-          <p:cNvPr id="6" name="Content Placeholder 5">
-            <a:extLst>
-              <a:ext uri="{FF2B5EF4-FFF2-40B4-BE49-F238E27FC236}">
-                <a16:creationId xmlns:a16="http://schemas.microsoft.com/office/drawing/2014/main" id="{A822F3D6-2F19-6A4D-B55E-54594E04E6CC}"/>
-              </a:ext>
-            </a:extLst>
-          </p:cNvPr>
-          <p:cNvPicPr>
-            <a:picLocks noGrp="1" noChangeAspect="1"/>
-          </p:cNvPicPr>
-          <p:nvPr>
-            <p:ph idx="1"/>
-          </p:nvPr>
-        </p:nvPicPr>
-        <p:blipFill>
-          <a:blip r:embed="rId2"/>
-          <a:stretch>
-            <a:fillRect/>
-          </a:stretch>
-        </p:blipFill>
-        <p:spPr>
-          <a:xfrm>
-            <a:off x="838200" y="1777906"/>
-            <a:ext cx="10515600" cy="3562761"/>
-          </a:xfrm>
-          <a:prstGeom prst="rect">
-            <a:avLst/>
-          </a:prstGeom>
-        </p:spPr>
-      </p:pic>
-      <p:sp>
-        <p:nvSpPr>
-          <p:cNvPr id="4" name="Footer Placeholder 3">
-            <a:extLst>
-              <a:ext uri="{FF2B5EF4-FFF2-40B4-BE49-F238E27FC236}">
-                <a16:creationId xmlns:a16="http://schemas.microsoft.com/office/drawing/2014/main" id="{5613FA09-A426-B548-BE1A-42E6A1DEECB3}"/>
-              </a:ext>
-            </a:extLst>
-          </p:cNvPr>
-          <p:cNvSpPr>
-            <a:spLocks noGrp="1"/>
-          </p:cNvSpPr>
-          <p:nvPr>
-            <p:ph type="ftr" sz="quarter" idx="11"/>
-          </p:nvPr>
-        </p:nvSpPr>
-        <p:spPr/>
-        <p:txBody>
-          <a:bodyPr/>
-          <a:lstStyle/>
-          <a:p>
-            <a:r>
-              <a:rPr lang="en-GB"/>
-              <a:t>Umberto Michelucci, umberto.michelucci@toelt.ai</a:t>
-            </a:r>
-            <a:endParaRPr lang="en-CH"/>
-          </a:p>
-        </p:txBody>
-      </p:sp>
-      <p:sp>
-        <p:nvSpPr>
-          <p:cNvPr id="5" name="Slide Number Placeholder 4">
-            <a:extLst>
-              <a:ext uri="{FF2B5EF4-FFF2-40B4-BE49-F238E27FC236}">
-                <a16:creationId xmlns:a16="http://schemas.microsoft.com/office/drawing/2014/main" id="{9253F5AA-A3B6-E447-A353-20947BCF7611}"/>
-              </a:ext>
-            </a:extLst>
-          </p:cNvPr>
-          <p:cNvSpPr>
-            <a:spLocks noGrp="1"/>
-          </p:cNvSpPr>
-          <p:nvPr>
-            <p:ph type="sldNum" sz="quarter" idx="12"/>
-          </p:nvPr>
-        </p:nvSpPr>
-        <p:spPr/>
-        <p:txBody>
-          <a:bodyPr/>
-          <a:lstStyle/>
-          <a:p>
-            <a:fld id="{41C020D8-235F-A74D-B997-F0D28FA98DD4}" type="slidenum">
-              <a:t>2</a:t>
-            </a:fld>
-            <a:endParaRPr lang="en-CH"/>
-          </a:p>
-        </p:txBody>
-      </p:sp>
-      <p:sp>
-        <p:nvSpPr>
-          <p:cNvPr id="8" name="TextBox 7">
-            <a:extLst>
-              <a:ext uri="{FF2B5EF4-FFF2-40B4-BE49-F238E27FC236}">
-                <a16:creationId xmlns:a16="http://schemas.microsoft.com/office/drawing/2014/main" id="{94256B70-22D6-CF4F-8C6F-3BC89BE76FCF}"/>
-              </a:ext>
-            </a:extLst>
-          </p:cNvPr>
-          <p:cNvSpPr txBox="1"/>
-          <p:nvPr/>
-        </p:nvSpPr>
-        <p:spPr>
-          <a:xfrm>
-            <a:off x="70764" y="6110157"/>
-            <a:ext cx="11799658" cy="276999"/>
-          </a:xfrm>
-          <a:prstGeom prst="rect">
-            <a:avLst/>
-          </a:prstGeom>
-          <a:noFill/>
-        </p:spPr>
-        <p:txBody>
-          <a:bodyPr wrap="square">
-            <a:spAutoFit/>
-          </a:bodyPr>
-          <a:lstStyle/>
-          <a:p>
-            <a:r>
-              <a:rPr lang="en-GB" sz="1200" b="0" i="0" u="none" strike="noStrike">
-                <a:solidFill>
-                  <a:srgbClr val="222222"/>
-                </a:solidFill>
-                <a:effectLst/>
-                <a:latin typeface="Franklin Gothic Book" panose="020B0503020102020204" pitchFamily="34" charset="0"/>
-              </a:rPr>
-              <a:t>Michelucci, Umberto. "An Introduction to Autoencoders." </a:t>
-            </a:r>
-            <a:r>
-              <a:rPr lang="en-GB" sz="1200" b="0" i="1" u="none" strike="noStrike">
-                <a:solidFill>
-                  <a:srgbClr val="222222"/>
-                </a:solidFill>
-                <a:effectLst/>
-                <a:latin typeface="Franklin Gothic Book" panose="020B0503020102020204" pitchFamily="34" charset="0"/>
-              </a:rPr>
-              <a:t>arXiv preprint arXiv:2201.03898</a:t>
-            </a:r>
-            <a:r>
-              <a:rPr lang="en-GB" sz="1200" b="0" i="0" u="none" strike="noStrike">
-                <a:solidFill>
-                  <a:srgbClr val="222222"/>
-                </a:solidFill>
-                <a:effectLst/>
-                <a:latin typeface="Franklin Gothic Book" panose="020B0503020102020204" pitchFamily="34" charset="0"/>
-              </a:rPr>
-              <a:t> (2022).</a:t>
-            </a:r>
-            <a:endParaRPr lang="en-CH" sz="1200">
-              <a:latin typeface="Franklin Gothic Book" panose="020B0503020102020204" pitchFamily="34" charset="0"/>
-            </a:endParaRPr>
-          </a:p>
-        </p:txBody>
-      </p:sp>
-    </p:spTree>
-    <p:extLst>
-      <p:ext uri="{BB962C8B-B14F-4D97-AF65-F5344CB8AC3E}">
-        <p14:creationId xmlns:p14="http://schemas.microsoft.com/office/powerpoint/2010/main" val="1501580011"/>
-      </p:ext>
-    </p:extLst>
-  </p:cSld>
-  <p:clrMapOvr>
-    <a:masterClrMapping/>
-  </p:clrMapOvr>
-</p:sld>
-</file>
-
-<file path=ppt/slides/slide20.xml><?xml version="1.0" encoding="utf-8"?>
-<p:sld xmlns:a="http://schemas.openxmlformats.org/drawingml/2006/main" xmlns:r="http://schemas.openxmlformats.org/officeDocument/2006/relationships" xmlns:p="http://schemas.openxmlformats.org/presentationml/2006/main">
-  <p:cSld>
-    <p:spTree>
-      <p:nvGrpSpPr>
-        <p:cNvPr id="1" name=""/>
-        <p:cNvGrpSpPr/>
-        <p:nvPr/>
-      </p:nvGrpSpPr>
-      <p:grpSpPr>
-        <a:xfrm>
-          <a:off x="0" y="0"/>
-          <a:ext cx="0" cy="0"/>
-          <a:chOff x="0" y="0"/>
-          <a:chExt cx="0" cy="0"/>
-        </a:xfrm>
-      </p:grpSpPr>
-      <p:sp>
-        <p:nvSpPr>
-          <p:cNvPr id="2" name="Title 1">
-            <a:extLst>
-              <a:ext uri="{FF2B5EF4-FFF2-40B4-BE49-F238E27FC236}">
-                <a16:creationId xmlns:a16="http://schemas.microsoft.com/office/drawing/2014/main" id="{875124F5-C14B-EC43-A6F4-57122E929BEE}"/>
-              </a:ext>
-            </a:extLst>
-          </p:cNvPr>
-          <p:cNvSpPr>
-            <a:spLocks noGrp="1"/>
-          </p:cNvSpPr>
-          <p:nvPr>
-            <p:ph type="title"/>
-          </p:nvPr>
-        </p:nvSpPr>
-        <p:spPr/>
-        <p:txBody>
-          <a:bodyPr/>
-          <a:lstStyle/>
-          <a:p>
-            <a:r>
-              <a:rPr lang="en-CH"/>
-              <a:t>Small warning…</a:t>
-            </a:r>
-          </a:p>
-        </p:txBody>
-      </p:sp>
-      <p:pic>
-        <p:nvPicPr>
-          <p:cNvPr id="6" name="Content Placeholder 5">
-            <a:extLst>
-              <a:ext uri="{FF2B5EF4-FFF2-40B4-BE49-F238E27FC236}">
-                <a16:creationId xmlns:a16="http://schemas.microsoft.com/office/drawing/2014/main" id="{6DC1AC13-0864-6C44-B084-B3C5A5602115}"/>
-              </a:ext>
-            </a:extLst>
-          </p:cNvPr>
-          <p:cNvPicPr>
-            <a:picLocks noGrp="1" noChangeAspect="1"/>
-          </p:cNvPicPr>
-          <p:nvPr>
-            <p:ph idx="1"/>
-          </p:nvPr>
-        </p:nvPicPr>
-        <p:blipFill>
-          <a:blip r:embed="rId2"/>
-          <a:stretch>
-            <a:fillRect/>
-          </a:stretch>
-        </p:blipFill>
-        <p:spPr>
-          <a:xfrm>
-            <a:off x="1409700" y="2877344"/>
-            <a:ext cx="9372600" cy="2247900"/>
-          </a:xfrm>
-          <a:prstGeom prst="rect">
-            <a:avLst/>
-          </a:prstGeom>
-        </p:spPr>
-      </p:pic>
-      <p:sp>
-        <p:nvSpPr>
-          <p:cNvPr id="4" name="Footer Placeholder 3">
-            <a:extLst>
-              <a:ext uri="{FF2B5EF4-FFF2-40B4-BE49-F238E27FC236}">
-                <a16:creationId xmlns:a16="http://schemas.microsoft.com/office/drawing/2014/main" id="{9C5CBB5C-ADF3-5446-8ACC-C50505C7BBD1}"/>
-              </a:ext>
-            </a:extLst>
-          </p:cNvPr>
-          <p:cNvSpPr>
-            <a:spLocks noGrp="1"/>
-          </p:cNvSpPr>
-          <p:nvPr>
-            <p:ph type="ftr" sz="quarter" idx="11"/>
-          </p:nvPr>
-        </p:nvSpPr>
-        <p:spPr/>
-        <p:txBody>
-          <a:bodyPr/>
-          <a:lstStyle/>
-          <a:p>
-            <a:r>
-              <a:rPr lang="en-GB"/>
-              <a:t>Umberto Michelucci, umberto.michelucci@toelt.ai</a:t>
-            </a:r>
-            <a:endParaRPr lang="en-CH"/>
-          </a:p>
-        </p:txBody>
-      </p:sp>
-      <p:sp>
-        <p:nvSpPr>
-          <p:cNvPr id="5" name="Slide Number Placeholder 4">
-            <a:extLst>
-              <a:ext uri="{FF2B5EF4-FFF2-40B4-BE49-F238E27FC236}">
-                <a16:creationId xmlns:a16="http://schemas.microsoft.com/office/drawing/2014/main" id="{CBF1D502-A08B-FB4D-B4EF-76B01EF65AF6}"/>
-              </a:ext>
-            </a:extLst>
-          </p:cNvPr>
-          <p:cNvSpPr>
-            <a:spLocks noGrp="1"/>
-          </p:cNvSpPr>
-          <p:nvPr>
-            <p:ph type="sldNum" sz="quarter" idx="12"/>
-          </p:nvPr>
-        </p:nvSpPr>
-        <p:spPr/>
-        <p:txBody>
-          <a:bodyPr/>
-          <a:lstStyle/>
-          <a:p>
-            <a:fld id="{41C020D8-235F-A74D-B997-F0D28FA98DD4}" type="slidenum">
-              <a:t>20</a:t>
-            </a:fld>
-            <a:endParaRPr lang="en-CH"/>
-          </a:p>
-        </p:txBody>
-      </p:sp>
-      <p:sp>
-        <p:nvSpPr>
-          <p:cNvPr id="7" name="TextBox 6">
-            <a:extLst>
-              <a:ext uri="{FF2B5EF4-FFF2-40B4-BE49-F238E27FC236}">
-                <a16:creationId xmlns:a16="http://schemas.microsoft.com/office/drawing/2014/main" id="{F1354EEA-44D2-C347-865A-CF96B8149A2E}"/>
-              </a:ext>
-            </a:extLst>
-          </p:cNvPr>
-          <p:cNvSpPr txBox="1"/>
-          <p:nvPr/>
-        </p:nvSpPr>
-        <p:spPr>
-          <a:xfrm>
-            <a:off x="70764" y="6110157"/>
-            <a:ext cx="11799658" cy="276999"/>
-          </a:xfrm>
-          <a:prstGeom prst="rect">
-            <a:avLst/>
-          </a:prstGeom>
-          <a:noFill/>
-        </p:spPr>
-        <p:txBody>
-          <a:bodyPr wrap="square">
-            <a:spAutoFit/>
-          </a:bodyPr>
-          <a:lstStyle/>
-          <a:p>
-            <a:r>
-              <a:rPr lang="en-GB" sz="1200" b="0" i="0" u="none" strike="noStrike">
-                <a:solidFill>
-                  <a:srgbClr val="222222"/>
-                </a:solidFill>
-                <a:effectLst/>
-                <a:latin typeface="Franklin Gothic Book" panose="020B0503020102020204" pitchFamily="34" charset="0"/>
-              </a:rPr>
-              <a:t>Michelucci, Umberto. "An Introduction to Autoencoders." </a:t>
-            </a:r>
-            <a:r>
-              <a:rPr lang="en-GB" sz="1200" b="0" i="1" u="none" strike="noStrike">
-                <a:solidFill>
-                  <a:srgbClr val="222222"/>
-                </a:solidFill>
-                <a:effectLst/>
-                <a:latin typeface="Franklin Gothic Book" panose="020B0503020102020204" pitchFamily="34" charset="0"/>
-              </a:rPr>
-              <a:t>arXiv preprint arXiv:2201.03898</a:t>
-            </a:r>
-            <a:r>
-              <a:rPr lang="en-GB" sz="1200" b="0" i="0" u="none" strike="noStrike">
-                <a:solidFill>
-                  <a:srgbClr val="222222"/>
-                </a:solidFill>
-                <a:effectLst/>
-                <a:latin typeface="Franklin Gothic Book" panose="020B0503020102020204" pitchFamily="34" charset="0"/>
-              </a:rPr>
-              <a:t> (2022).</a:t>
-            </a:r>
-            <a:endParaRPr lang="en-CH" sz="1200">
-              <a:latin typeface="Franklin Gothic Book" panose="020B0503020102020204" pitchFamily="34" charset="0"/>
-            </a:endParaRPr>
-          </a:p>
-        </p:txBody>
-      </p:sp>
-    </p:spTree>
-    <p:extLst>
-      <p:ext uri="{BB962C8B-B14F-4D97-AF65-F5344CB8AC3E}">
-        <p14:creationId xmlns:p14="http://schemas.microsoft.com/office/powerpoint/2010/main" val="1385994544"/>
-      </p:ext>
-    </p:extLst>
-  </p:cSld>
-  <p:clrMapOvr>
-    <a:masterClrMapping/>
-  </p:clrMapOvr>
-</p:sld>
-</file>
-
-<file path=ppt/slides/slide21.xml><?xml version="1.0" encoding="utf-8"?>
-<p:sld xmlns:a="http://schemas.openxmlformats.org/drawingml/2006/main" xmlns:r="http://schemas.openxmlformats.org/officeDocument/2006/relationships" xmlns:p="http://schemas.openxmlformats.org/presentationml/2006/main">
-  <p:cSld>
-    <p:spTree>
-      <p:nvGrpSpPr>
-        <p:cNvPr id="1" name=""/>
-        <p:cNvGrpSpPr/>
-        <p:nvPr/>
-      </p:nvGrpSpPr>
-      <p:grpSpPr>
-        <a:xfrm>
-          <a:off x="0" y="0"/>
-          <a:ext cx="0" cy="0"/>
-          <a:chOff x="0" y="0"/>
-          <a:chExt cx="0" cy="0"/>
-        </a:xfrm>
-      </p:grpSpPr>
-      <p:sp>
-        <p:nvSpPr>
-          <p:cNvPr id="2" name="Title 1">
-            <a:extLst>
-              <a:ext uri="{FF2B5EF4-FFF2-40B4-BE49-F238E27FC236}">
-                <a16:creationId xmlns:a16="http://schemas.microsoft.com/office/drawing/2014/main" id="{00F6557C-0388-0C4C-AC7D-7930BEAAB382}"/>
-              </a:ext>
-            </a:extLst>
-          </p:cNvPr>
-          <p:cNvSpPr>
-            <a:spLocks noGrp="1"/>
-          </p:cNvSpPr>
-          <p:nvPr>
-            <p:ph type="title"/>
-          </p:nvPr>
-        </p:nvSpPr>
-        <p:spPr/>
-        <p:txBody>
-          <a:bodyPr/>
-          <a:lstStyle/>
-          <a:p>
-            <a:r>
-              <a:rPr lang="en-CH"/>
-              <a:t>Denoising Autoencoders</a:t>
-            </a:r>
-          </a:p>
-        </p:txBody>
-      </p:sp>
-      <p:pic>
-        <p:nvPicPr>
-          <p:cNvPr id="6" name="Content Placeholder 5">
-            <a:extLst>
-              <a:ext uri="{FF2B5EF4-FFF2-40B4-BE49-F238E27FC236}">
-                <a16:creationId xmlns:a16="http://schemas.microsoft.com/office/drawing/2014/main" id="{3AFB8419-4538-E146-B4E0-3075A388F09A}"/>
-              </a:ext>
-            </a:extLst>
-          </p:cNvPr>
-          <p:cNvPicPr>
-            <a:picLocks noGrp="1" noChangeAspect="1"/>
-          </p:cNvPicPr>
-          <p:nvPr>
-            <p:ph idx="1"/>
-          </p:nvPr>
-        </p:nvPicPr>
-        <p:blipFill>
-          <a:blip r:embed="rId2"/>
-          <a:stretch>
-            <a:fillRect/>
-          </a:stretch>
-        </p:blipFill>
-        <p:spPr>
-          <a:xfrm>
-            <a:off x="2159000" y="1413689"/>
-            <a:ext cx="7874000" cy="2171700"/>
-          </a:xfrm>
-          <a:prstGeom prst="rect">
-            <a:avLst/>
-          </a:prstGeom>
-        </p:spPr>
-      </p:pic>
-      <p:sp>
-        <p:nvSpPr>
-          <p:cNvPr id="4" name="Footer Placeholder 3">
-            <a:extLst>
-              <a:ext uri="{FF2B5EF4-FFF2-40B4-BE49-F238E27FC236}">
-                <a16:creationId xmlns:a16="http://schemas.microsoft.com/office/drawing/2014/main" id="{E02ADD38-3E20-BA4E-9C36-0475110C233B}"/>
-              </a:ext>
-            </a:extLst>
-          </p:cNvPr>
-          <p:cNvSpPr>
-            <a:spLocks noGrp="1"/>
-          </p:cNvSpPr>
-          <p:nvPr>
-            <p:ph type="ftr" sz="quarter" idx="11"/>
-          </p:nvPr>
-        </p:nvSpPr>
-        <p:spPr/>
-        <p:txBody>
-          <a:bodyPr/>
-          <a:lstStyle/>
-          <a:p>
-            <a:r>
-              <a:rPr lang="en-GB"/>
-              <a:t>Umberto Michelucci, umberto.michelucci@toelt.ai</a:t>
-            </a:r>
-            <a:endParaRPr lang="en-CH"/>
-          </a:p>
-        </p:txBody>
-      </p:sp>
-      <p:sp>
-        <p:nvSpPr>
-          <p:cNvPr id="5" name="Slide Number Placeholder 4">
-            <a:extLst>
-              <a:ext uri="{FF2B5EF4-FFF2-40B4-BE49-F238E27FC236}">
-                <a16:creationId xmlns:a16="http://schemas.microsoft.com/office/drawing/2014/main" id="{0FEE3BD1-6C4A-D145-A151-FE2C22CBCC9F}"/>
-              </a:ext>
-            </a:extLst>
-          </p:cNvPr>
-          <p:cNvSpPr>
-            <a:spLocks noGrp="1"/>
-          </p:cNvSpPr>
-          <p:nvPr>
-            <p:ph type="sldNum" sz="quarter" idx="12"/>
-          </p:nvPr>
-        </p:nvSpPr>
-        <p:spPr/>
-        <p:txBody>
-          <a:bodyPr/>
-          <a:lstStyle/>
-          <a:p>
-            <a:fld id="{41C020D8-235F-A74D-B997-F0D28FA98DD4}" type="slidenum">
-              <a:t>21</a:t>
-            </a:fld>
-            <a:endParaRPr lang="en-CH"/>
-          </a:p>
-        </p:txBody>
-      </p:sp>
-      <p:pic>
-        <p:nvPicPr>
-          <p:cNvPr id="7" name="Picture 6">
-            <a:extLst>
-              <a:ext uri="{FF2B5EF4-FFF2-40B4-BE49-F238E27FC236}">
-                <a16:creationId xmlns:a16="http://schemas.microsoft.com/office/drawing/2014/main" id="{642FA2CD-D8BB-424A-ADC4-25C0420B42F1}"/>
-              </a:ext>
-            </a:extLst>
-          </p:cNvPr>
-          <p:cNvPicPr>
-            <a:picLocks noChangeAspect="1"/>
-          </p:cNvPicPr>
-          <p:nvPr/>
-        </p:nvPicPr>
-        <p:blipFill>
-          <a:blip r:embed="rId3"/>
-          <a:stretch>
-            <a:fillRect/>
-          </a:stretch>
-        </p:blipFill>
-        <p:spPr>
-          <a:xfrm>
-            <a:off x="2120900" y="3954721"/>
-            <a:ext cx="7861300" cy="2209800"/>
-          </a:xfrm>
-          <a:prstGeom prst="rect">
-            <a:avLst/>
-          </a:prstGeom>
-        </p:spPr>
-      </p:pic>
-      <p:sp>
-        <p:nvSpPr>
-          <p:cNvPr id="9" name="TextBox 8">
-            <a:extLst>
-              <a:ext uri="{FF2B5EF4-FFF2-40B4-BE49-F238E27FC236}">
-                <a16:creationId xmlns:a16="http://schemas.microsoft.com/office/drawing/2014/main" id="{68206B1A-85EB-0D4B-98BB-7A50F096CDE4}"/>
-              </a:ext>
-            </a:extLst>
-          </p:cNvPr>
-          <p:cNvSpPr txBox="1"/>
-          <p:nvPr/>
-        </p:nvSpPr>
-        <p:spPr>
-          <a:xfrm>
-            <a:off x="3329683" y="3585389"/>
-            <a:ext cx="6097712" cy="369332"/>
-          </a:xfrm>
-          <a:prstGeom prst="rect">
-            <a:avLst/>
-          </a:prstGeom>
-          <a:noFill/>
-        </p:spPr>
-        <p:txBody>
-          <a:bodyPr wrap="square">
-            <a:spAutoFit/>
-          </a:bodyPr>
-          <a:lstStyle/>
-          <a:p>
-            <a:r>
-              <a:rPr lang="en-GB">
-                <a:effectLst/>
-                <a:latin typeface="Courier" pitchFamily="2" charset="0"/>
-              </a:rPr>
-              <a:t>noise</a:t>
-            </a:r>
-            <a:r>
-              <a:rPr lang="en-GB">
-                <a:latin typeface="Courier" pitchFamily="2" charset="0"/>
-              </a:rPr>
-              <a:t> </a:t>
-            </a:r>
-            <a:r>
-              <a:rPr lang="en-GB">
-                <a:solidFill>
-                  <a:srgbClr val="666666"/>
-                </a:solidFill>
-                <a:effectLst/>
-                <a:latin typeface="Courier" pitchFamily="2" charset="0"/>
-              </a:rPr>
-              <a:t>=</a:t>
-            </a:r>
-            <a:r>
-              <a:rPr lang="en-GB">
-                <a:latin typeface="Courier" pitchFamily="2" charset="0"/>
-              </a:rPr>
-              <a:t> </a:t>
-            </a:r>
-            <a:r>
-              <a:rPr lang="en-GB">
-                <a:effectLst/>
-                <a:latin typeface="Courier" pitchFamily="2" charset="0"/>
-              </a:rPr>
-              <a:t>np</a:t>
-            </a:r>
-            <a:r>
-              <a:rPr lang="en-GB">
-                <a:solidFill>
-                  <a:srgbClr val="666666"/>
-                </a:solidFill>
-                <a:effectLst/>
-                <a:latin typeface="Courier" pitchFamily="2" charset="0"/>
-              </a:rPr>
-              <a:t>.</a:t>
-            </a:r>
-            <a:r>
-              <a:rPr lang="en-GB">
-                <a:effectLst/>
-                <a:latin typeface="Courier" pitchFamily="2" charset="0"/>
-              </a:rPr>
-              <a:t>random</a:t>
-            </a:r>
-            <a:r>
-              <a:rPr lang="en-GB">
-                <a:solidFill>
-                  <a:srgbClr val="666666"/>
-                </a:solidFill>
-                <a:effectLst/>
-                <a:latin typeface="Courier" pitchFamily="2" charset="0"/>
-              </a:rPr>
-              <a:t>.</a:t>
-            </a:r>
-            <a:r>
-              <a:rPr lang="en-GB">
-                <a:effectLst/>
-                <a:latin typeface="Courier" pitchFamily="2" charset="0"/>
-              </a:rPr>
-              <a:t>normal(</a:t>
-            </a:r>
-            <a:r>
-              <a:rPr lang="en-GB">
-                <a:solidFill>
-                  <a:srgbClr val="208050"/>
-                </a:solidFill>
-                <a:effectLst/>
-                <a:latin typeface="Courier" pitchFamily="2" charset="0"/>
-              </a:rPr>
-              <a:t>0</a:t>
-            </a:r>
-            <a:r>
-              <a:rPr lang="en-GB">
-                <a:effectLst/>
-                <a:latin typeface="Courier" pitchFamily="2" charset="0"/>
-              </a:rPr>
-              <a:t>,</a:t>
-            </a:r>
-            <a:r>
-              <a:rPr lang="en-GB">
-                <a:latin typeface="Courier" pitchFamily="2" charset="0"/>
-              </a:rPr>
-              <a:t> </a:t>
-            </a:r>
-            <a:r>
-              <a:rPr lang="en-GB">
-                <a:solidFill>
-                  <a:srgbClr val="208050"/>
-                </a:solidFill>
-                <a:effectLst/>
-                <a:latin typeface="Courier" pitchFamily="2" charset="0"/>
-              </a:rPr>
-              <a:t>1</a:t>
-            </a:r>
-            <a:r>
-              <a:rPr lang="en-GB">
-                <a:effectLst/>
-                <a:latin typeface="Courier" pitchFamily="2" charset="0"/>
-              </a:rPr>
-              <a:t>,</a:t>
-            </a:r>
-            <a:r>
-              <a:rPr lang="en-GB">
-                <a:latin typeface="Courier" pitchFamily="2" charset="0"/>
-              </a:rPr>
-              <a:t> </a:t>
-            </a:r>
-            <a:r>
-              <a:rPr lang="en-GB">
-                <a:effectLst/>
-                <a:latin typeface="Courier" pitchFamily="2" charset="0"/>
-              </a:rPr>
-              <a:t>pure</a:t>
-            </a:r>
-            <a:r>
-              <a:rPr lang="en-GB">
-                <a:solidFill>
-                  <a:srgbClr val="666666"/>
-                </a:solidFill>
-                <a:effectLst/>
-                <a:latin typeface="Courier" pitchFamily="2" charset="0"/>
-              </a:rPr>
-              <a:t>.</a:t>
-            </a:r>
-            <a:r>
-              <a:rPr lang="en-GB">
-                <a:effectLst/>
-                <a:latin typeface="Courier" pitchFamily="2" charset="0"/>
-              </a:rPr>
-              <a:t>shape)</a:t>
-            </a:r>
-            <a:endParaRPr lang="en-CH"/>
-          </a:p>
-        </p:txBody>
-      </p:sp>
-    </p:spTree>
-    <p:extLst>
-      <p:ext uri="{BB962C8B-B14F-4D97-AF65-F5344CB8AC3E}">
-        <p14:creationId xmlns:p14="http://schemas.microsoft.com/office/powerpoint/2010/main" val="145027350"/>
       </p:ext>
     </p:extLst>
   </p:cSld>
@@ -6887,7 +6507,7 @@
           <p:cNvPr id="2" name="Title 1">
             <a:extLst>
               <a:ext uri="{FF2B5EF4-FFF2-40B4-BE49-F238E27FC236}">
-                <a16:creationId xmlns:a16="http://schemas.microsoft.com/office/drawing/2014/main" id="{2CE0BD2C-12A8-7F4A-9631-F23F9B25AEBF}"/>
+                <a16:creationId xmlns:a16="http://schemas.microsoft.com/office/drawing/2014/main" id="{875124F5-C14B-EC43-A6F4-57122E929BEE}"/>
               </a:ext>
             </a:extLst>
           </p:cNvPr>
@@ -6898,95 +6518,33 @@
             <p:ph type="title"/>
           </p:nvPr>
         </p:nvSpPr>
-        <p:spPr>
-          <a:xfrm>
-            <a:off x="88900" y="136525"/>
-            <a:ext cx="10515600" cy="836951"/>
-          </a:xfrm>
-        </p:spPr>
-        <p:txBody>
-          <a:bodyPr>
-            <a:normAutofit fontScale="90000"/>
-          </a:bodyPr>
+        <p:spPr/>
+        <p:txBody>
+          <a:bodyPr/>
           <a:lstStyle/>
           <a:p>
             <a:r>
               <a:rPr lang="en-CH"/>
-              <a:t>Denoising autoencoders (FFA) (784,32,784)</a:t>
-            </a:r>
-          </a:p>
-        </p:txBody>
-      </p:sp>
-      <p:sp>
-        <p:nvSpPr>
-          <p:cNvPr id="4" name="Footer Placeholder 3">
-            <a:extLst>
-              <a:ext uri="{FF2B5EF4-FFF2-40B4-BE49-F238E27FC236}">
-                <a16:creationId xmlns:a16="http://schemas.microsoft.com/office/drawing/2014/main" id="{FA012D35-86DF-C541-9D48-28487D67F511}"/>
-              </a:ext>
-            </a:extLst>
-          </p:cNvPr>
-          <p:cNvSpPr>
-            <a:spLocks noGrp="1"/>
-          </p:cNvSpPr>
-          <p:nvPr>
-            <p:ph type="ftr" sz="quarter" idx="11"/>
-          </p:nvPr>
-        </p:nvSpPr>
-        <p:spPr/>
-        <p:txBody>
-          <a:bodyPr/>
-          <a:lstStyle/>
-          <a:p>
-            <a:r>
-              <a:rPr lang="en-GB"/>
-              <a:t>Umberto Michelucci, umberto.michelucci@toelt.ai</a:t>
-            </a:r>
-            <a:endParaRPr lang="en-CH"/>
-          </a:p>
-        </p:txBody>
-      </p:sp>
-      <p:sp>
-        <p:nvSpPr>
-          <p:cNvPr id="5" name="Slide Number Placeholder 4">
-            <a:extLst>
-              <a:ext uri="{FF2B5EF4-FFF2-40B4-BE49-F238E27FC236}">
-                <a16:creationId xmlns:a16="http://schemas.microsoft.com/office/drawing/2014/main" id="{D97613DD-FF9B-214C-8D81-DB4555BB68C0}"/>
-              </a:ext>
-            </a:extLst>
-          </p:cNvPr>
-          <p:cNvSpPr>
-            <a:spLocks noGrp="1"/>
-          </p:cNvSpPr>
-          <p:nvPr>
-            <p:ph type="sldNum" sz="quarter" idx="12"/>
-          </p:nvPr>
-        </p:nvSpPr>
-        <p:spPr/>
-        <p:txBody>
-          <a:bodyPr/>
-          <a:lstStyle/>
-          <a:p>
-            <a:fld id="{41C020D8-235F-A74D-B997-F0D28FA98DD4}" type="slidenum">
-              <a:t>22</a:t>
-            </a:fld>
-            <a:endParaRPr lang="en-CH"/>
+              <a:t>Small warning…</a:t>
+            </a:r>
           </a:p>
         </p:txBody>
       </p:sp>
       <p:pic>
         <p:nvPicPr>
-          <p:cNvPr id="6" name="Picture 5">
-            <a:extLst>
-              <a:ext uri="{FF2B5EF4-FFF2-40B4-BE49-F238E27FC236}">
-                <a16:creationId xmlns:a16="http://schemas.microsoft.com/office/drawing/2014/main" id="{4CBE45AD-03AA-344E-AA33-9702C3946BB7}"/>
+          <p:cNvPr id="6" name="Content Placeholder 5">
+            <a:extLst>
+              <a:ext uri="{FF2B5EF4-FFF2-40B4-BE49-F238E27FC236}">
+                <a16:creationId xmlns:a16="http://schemas.microsoft.com/office/drawing/2014/main" id="{6DC1AC13-0864-6C44-B084-B3C5A5602115}"/>
               </a:ext>
             </a:extLst>
           </p:cNvPr>
           <p:cNvPicPr>
-            <a:picLocks noChangeAspect="1"/>
+            <a:picLocks noGrp="1" noChangeAspect="1"/>
           </p:cNvPicPr>
-          <p:nvPr/>
+          <p:nvPr>
+            <p:ph idx="1"/>
+          </p:nvPr>
         </p:nvPicPr>
         <p:blipFill>
           <a:blip r:embed="rId2"/>
@@ -6996,8 +6554,8 @@
         </p:blipFill>
         <p:spPr>
           <a:xfrm>
-            <a:off x="1587500" y="1873250"/>
-            <a:ext cx="9017000" cy="3111500"/>
+            <a:off x="1409700" y="2877344"/>
+            <a:ext cx="9372600" cy="2247900"/>
           </a:xfrm>
           <a:prstGeom prst="rect">
             <a:avLst/>
@@ -7006,10 +6564,67 @@
       </p:pic>
       <p:sp>
         <p:nvSpPr>
-          <p:cNvPr id="8" name="TextBox 7">
-            <a:extLst>
-              <a:ext uri="{FF2B5EF4-FFF2-40B4-BE49-F238E27FC236}">
-                <a16:creationId xmlns:a16="http://schemas.microsoft.com/office/drawing/2014/main" id="{F9775B24-1DD5-994B-A4E6-00E018FDC28B}"/>
+          <p:cNvPr id="4" name="Footer Placeholder 3">
+            <a:extLst>
+              <a:ext uri="{FF2B5EF4-FFF2-40B4-BE49-F238E27FC236}">
+                <a16:creationId xmlns:a16="http://schemas.microsoft.com/office/drawing/2014/main" id="{9C5CBB5C-ADF3-5446-8ACC-C50505C7BBD1}"/>
+              </a:ext>
+            </a:extLst>
+          </p:cNvPr>
+          <p:cNvSpPr>
+            <a:spLocks noGrp="1"/>
+          </p:cNvSpPr>
+          <p:nvPr>
+            <p:ph type="ftr" sz="quarter" idx="11"/>
+          </p:nvPr>
+        </p:nvSpPr>
+        <p:spPr/>
+        <p:txBody>
+          <a:bodyPr/>
+          <a:lstStyle/>
+          <a:p>
+            <a:r>
+              <a:rPr lang="en-GB"/>
+              <a:t>Umberto Michelucci, umberto.michelucci@toelt.ai</a:t>
+            </a:r>
+            <a:endParaRPr lang="en-CH"/>
+          </a:p>
+        </p:txBody>
+      </p:sp>
+      <p:sp>
+        <p:nvSpPr>
+          <p:cNvPr id="5" name="Slide Number Placeholder 4">
+            <a:extLst>
+              <a:ext uri="{FF2B5EF4-FFF2-40B4-BE49-F238E27FC236}">
+                <a16:creationId xmlns:a16="http://schemas.microsoft.com/office/drawing/2014/main" id="{CBF1D502-A08B-FB4D-B4EF-76B01EF65AF6}"/>
+              </a:ext>
+            </a:extLst>
+          </p:cNvPr>
+          <p:cNvSpPr>
+            <a:spLocks noGrp="1"/>
+          </p:cNvSpPr>
+          <p:nvPr>
+            <p:ph type="sldNum" sz="quarter" idx="12"/>
+          </p:nvPr>
+        </p:nvSpPr>
+        <p:spPr/>
+        <p:txBody>
+          <a:bodyPr/>
+          <a:lstStyle/>
+          <a:p>
+            <a:fld id="{41C020D8-235F-A74D-B997-F0D28FA98DD4}" type="slidenum">
+              <a:t>22</a:t>
+            </a:fld>
+            <a:endParaRPr lang="en-CH"/>
+          </a:p>
+        </p:txBody>
+      </p:sp>
+      <p:sp>
+        <p:nvSpPr>
+          <p:cNvPr id="7" name="TextBox 6">
+            <a:extLst>
+              <a:ext uri="{FF2B5EF4-FFF2-40B4-BE49-F238E27FC236}">
+                <a16:creationId xmlns:a16="http://schemas.microsoft.com/office/drawing/2014/main" id="{F1354EEA-44D2-C347-865A-CF96B8149A2E}"/>
               </a:ext>
             </a:extLst>
           </p:cNvPr>
@@ -7018,8 +6633,8 @@
         </p:nvSpPr>
         <p:spPr>
           <a:xfrm>
-            <a:off x="88900" y="5884524"/>
-            <a:ext cx="11909461" cy="338554"/>
+            <a:off x="70764" y="6110157"/>
+            <a:ext cx="11799658" cy="276999"/>
           </a:xfrm>
           <a:prstGeom prst="rect">
             <a:avLst/>
@@ -7033,25 +6648,45 @@
           <a:lstStyle/>
           <a:p>
             <a:r>
-              <a:rPr lang="en-CH" sz="1600">
-                <a:latin typeface="Franklin Gothic Book" panose="020B0503020102020204" pitchFamily="34" charset="0"/>
-                <a:hlinkClick r:id="rId3"/>
-              </a:rPr>
-              <a:t>http://adl.toelt.ai/Autoencoders/Denoising_autoencoders_with_FFNN.html</a:t>
-            </a:r>
-            <a:r>
-              <a:rPr lang="en-CH" sz="1600">
+              <a:rPr lang="en-GB" sz="1200" b="0" i="0" u="none" strike="noStrike">
+                <a:solidFill>
+                  <a:srgbClr val="222222"/>
+                </a:solidFill>
+                <a:effectLst/>
                 <a:latin typeface="Franklin Gothic Book" panose="020B0503020102020204" pitchFamily="34" charset="0"/>
               </a:rPr>
-              <a:t> </a:t>
-            </a:r>
+              <a:t>Michelucci, Umberto. "An Introduction to Autoencoders." </a:t>
+            </a:r>
+            <a:r>
+              <a:rPr lang="en-GB" sz="1200" b="0" i="1" u="none" strike="noStrike">
+                <a:solidFill>
+                  <a:srgbClr val="222222"/>
+                </a:solidFill>
+                <a:effectLst/>
+                <a:latin typeface="Franklin Gothic Book" panose="020B0503020102020204" pitchFamily="34" charset="0"/>
+              </a:rPr>
+              <a:t>arXiv preprint arXiv:2201.03898</a:t>
+            </a:r>
+            <a:r>
+              <a:rPr lang="en-GB" sz="1200" b="0" i="0" u="none" strike="noStrike">
+                <a:solidFill>
+                  <a:srgbClr val="222222"/>
+                </a:solidFill>
+                <a:effectLst/>
+                <a:latin typeface="Franklin Gothic Book" panose="020B0503020102020204" pitchFamily="34" charset="0"/>
+              </a:rPr>
+              <a:t> (2022).</a:t>
+            </a:r>
+            <a:endParaRPr lang="en-CH" sz="1200">
+              <a:latin typeface="Franklin Gothic Book" panose="020B0503020102020204" pitchFamily="34" charset="0"/>
+            </a:endParaRPr>
           </a:p>
         </p:txBody>
       </p:sp>
     </p:spTree>
     <p:extLst>
       <p:ext uri="{BB962C8B-B14F-4D97-AF65-F5344CB8AC3E}">
-        <p14:creationId xmlns:p14="http://schemas.microsoft.com/office/powerpoint/2010/main" val="4172125412"/>
+        <p14:creationId xmlns:p14="http://schemas.microsoft.com/office/powerpoint/2010/main" val="1385994544"/>
       </p:ext>
     </p:extLst>
   </p:cSld>
@@ -7083,6 +6718,355 @@
           <p:cNvPr id="2" name="Title 1">
             <a:extLst>
               <a:ext uri="{FF2B5EF4-FFF2-40B4-BE49-F238E27FC236}">
+                <a16:creationId xmlns:a16="http://schemas.microsoft.com/office/drawing/2014/main" id="{00F6557C-0388-0C4C-AC7D-7930BEAAB382}"/>
+              </a:ext>
+            </a:extLst>
+          </p:cNvPr>
+          <p:cNvSpPr>
+            <a:spLocks noGrp="1"/>
+          </p:cNvSpPr>
+          <p:nvPr>
+            <p:ph type="title"/>
+          </p:nvPr>
+        </p:nvSpPr>
+        <p:spPr/>
+        <p:txBody>
+          <a:bodyPr/>
+          <a:lstStyle/>
+          <a:p>
+            <a:r>
+              <a:rPr lang="en-CH"/>
+              <a:t>Denoising Autoencoders</a:t>
+            </a:r>
+          </a:p>
+        </p:txBody>
+      </p:sp>
+      <p:pic>
+        <p:nvPicPr>
+          <p:cNvPr id="6" name="Content Placeholder 5">
+            <a:extLst>
+              <a:ext uri="{FF2B5EF4-FFF2-40B4-BE49-F238E27FC236}">
+                <a16:creationId xmlns:a16="http://schemas.microsoft.com/office/drawing/2014/main" id="{3AFB8419-4538-E146-B4E0-3075A388F09A}"/>
+              </a:ext>
+            </a:extLst>
+          </p:cNvPr>
+          <p:cNvPicPr>
+            <a:picLocks noGrp="1" noChangeAspect="1"/>
+          </p:cNvPicPr>
+          <p:nvPr>
+            <p:ph idx="1"/>
+          </p:nvPr>
+        </p:nvPicPr>
+        <p:blipFill>
+          <a:blip r:embed="rId2"/>
+          <a:stretch>
+            <a:fillRect/>
+          </a:stretch>
+        </p:blipFill>
+        <p:spPr>
+          <a:xfrm>
+            <a:off x="2159000" y="1413689"/>
+            <a:ext cx="7874000" cy="2171700"/>
+          </a:xfrm>
+          <a:prstGeom prst="rect">
+            <a:avLst/>
+          </a:prstGeom>
+        </p:spPr>
+      </p:pic>
+      <p:sp>
+        <p:nvSpPr>
+          <p:cNvPr id="4" name="Footer Placeholder 3">
+            <a:extLst>
+              <a:ext uri="{FF2B5EF4-FFF2-40B4-BE49-F238E27FC236}">
+                <a16:creationId xmlns:a16="http://schemas.microsoft.com/office/drawing/2014/main" id="{E02ADD38-3E20-BA4E-9C36-0475110C233B}"/>
+              </a:ext>
+            </a:extLst>
+          </p:cNvPr>
+          <p:cNvSpPr>
+            <a:spLocks noGrp="1"/>
+          </p:cNvSpPr>
+          <p:nvPr>
+            <p:ph type="ftr" sz="quarter" idx="11"/>
+          </p:nvPr>
+        </p:nvSpPr>
+        <p:spPr/>
+        <p:txBody>
+          <a:bodyPr/>
+          <a:lstStyle/>
+          <a:p>
+            <a:r>
+              <a:rPr lang="en-GB"/>
+              <a:t>Umberto Michelucci, umberto.michelucci@toelt.ai</a:t>
+            </a:r>
+            <a:endParaRPr lang="en-CH"/>
+          </a:p>
+        </p:txBody>
+      </p:sp>
+      <p:sp>
+        <p:nvSpPr>
+          <p:cNvPr id="5" name="Slide Number Placeholder 4">
+            <a:extLst>
+              <a:ext uri="{FF2B5EF4-FFF2-40B4-BE49-F238E27FC236}">
+                <a16:creationId xmlns:a16="http://schemas.microsoft.com/office/drawing/2014/main" id="{0FEE3BD1-6C4A-D145-A151-FE2C22CBCC9F}"/>
+              </a:ext>
+            </a:extLst>
+          </p:cNvPr>
+          <p:cNvSpPr>
+            <a:spLocks noGrp="1"/>
+          </p:cNvSpPr>
+          <p:nvPr>
+            <p:ph type="sldNum" sz="quarter" idx="12"/>
+          </p:nvPr>
+        </p:nvSpPr>
+        <p:spPr/>
+        <p:txBody>
+          <a:bodyPr/>
+          <a:lstStyle/>
+          <a:p>
+            <a:fld id="{41C020D8-235F-A74D-B997-F0D28FA98DD4}" type="slidenum">
+              <a:t>23</a:t>
+            </a:fld>
+            <a:endParaRPr lang="en-CH"/>
+          </a:p>
+        </p:txBody>
+      </p:sp>
+      <p:pic>
+        <p:nvPicPr>
+          <p:cNvPr id="7" name="Picture 6">
+            <a:extLst>
+              <a:ext uri="{FF2B5EF4-FFF2-40B4-BE49-F238E27FC236}">
+                <a16:creationId xmlns:a16="http://schemas.microsoft.com/office/drawing/2014/main" id="{642FA2CD-D8BB-424A-ADC4-25C0420B42F1}"/>
+              </a:ext>
+            </a:extLst>
+          </p:cNvPr>
+          <p:cNvPicPr>
+            <a:picLocks noChangeAspect="1"/>
+          </p:cNvPicPr>
+          <p:nvPr/>
+        </p:nvPicPr>
+        <p:blipFill>
+          <a:blip r:embed="rId3"/>
+          <a:stretch>
+            <a:fillRect/>
+          </a:stretch>
+        </p:blipFill>
+        <p:spPr>
+          <a:xfrm>
+            <a:off x="2120900" y="3954721"/>
+            <a:ext cx="7861300" cy="2209800"/>
+          </a:xfrm>
+          <a:prstGeom prst="rect">
+            <a:avLst/>
+          </a:prstGeom>
+        </p:spPr>
+      </p:pic>
+      <p:sp>
+        <p:nvSpPr>
+          <p:cNvPr id="9" name="TextBox 8">
+            <a:extLst>
+              <a:ext uri="{FF2B5EF4-FFF2-40B4-BE49-F238E27FC236}">
+                <a16:creationId xmlns:a16="http://schemas.microsoft.com/office/drawing/2014/main" id="{68206B1A-85EB-0D4B-98BB-7A50F096CDE4}"/>
+              </a:ext>
+            </a:extLst>
+          </p:cNvPr>
+          <p:cNvSpPr txBox="1"/>
+          <p:nvPr/>
+        </p:nvSpPr>
+        <p:spPr>
+          <a:xfrm>
+            <a:off x="3329683" y="3585389"/>
+            <a:ext cx="6097712" cy="369332"/>
+          </a:xfrm>
+          <a:prstGeom prst="rect">
+            <a:avLst/>
+          </a:prstGeom>
+          <a:noFill/>
+        </p:spPr>
+        <p:txBody>
+          <a:bodyPr wrap="square">
+            <a:spAutoFit/>
+          </a:bodyPr>
+          <a:lstStyle/>
+          <a:p>
+            <a:r>
+              <a:rPr lang="en-GB">
+                <a:effectLst/>
+                <a:latin typeface="Courier" pitchFamily="2" charset="0"/>
+              </a:rPr>
+              <a:t>noise</a:t>
+            </a:r>
+            <a:r>
+              <a:rPr lang="en-GB">
+                <a:latin typeface="Courier" pitchFamily="2" charset="0"/>
+              </a:rPr>
+              <a:t> </a:t>
+            </a:r>
+            <a:r>
+              <a:rPr lang="en-GB">
+                <a:solidFill>
+                  <a:srgbClr val="666666"/>
+                </a:solidFill>
+                <a:effectLst/>
+                <a:latin typeface="Courier" pitchFamily="2" charset="0"/>
+              </a:rPr>
+              <a:t>=</a:t>
+            </a:r>
+            <a:r>
+              <a:rPr lang="en-GB">
+                <a:latin typeface="Courier" pitchFamily="2" charset="0"/>
+              </a:rPr>
+              <a:t> </a:t>
+            </a:r>
+            <a:r>
+              <a:rPr lang="en-GB">
+                <a:effectLst/>
+                <a:latin typeface="Courier" pitchFamily="2" charset="0"/>
+              </a:rPr>
+              <a:t>np</a:t>
+            </a:r>
+            <a:r>
+              <a:rPr lang="en-GB">
+                <a:solidFill>
+                  <a:srgbClr val="666666"/>
+                </a:solidFill>
+                <a:effectLst/>
+                <a:latin typeface="Courier" pitchFamily="2" charset="0"/>
+              </a:rPr>
+              <a:t>.</a:t>
+            </a:r>
+            <a:r>
+              <a:rPr lang="en-GB">
+                <a:effectLst/>
+                <a:latin typeface="Courier" pitchFamily="2" charset="0"/>
+              </a:rPr>
+              <a:t>random</a:t>
+            </a:r>
+            <a:r>
+              <a:rPr lang="en-GB">
+                <a:solidFill>
+                  <a:srgbClr val="666666"/>
+                </a:solidFill>
+                <a:effectLst/>
+                <a:latin typeface="Courier" pitchFamily="2" charset="0"/>
+              </a:rPr>
+              <a:t>.</a:t>
+            </a:r>
+            <a:r>
+              <a:rPr lang="en-GB">
+                <a:effectLst/>
+                <a:latin typeface="Courier" pitchFamily="2" charset="0"/>
+              </a:rPr>
+              <a:t>normal(</a:t>
+            </a:r>
+            <a:r>
+              <a:rPr lang="en-GB">
+                <a:solidFill>
+                  <a:srgbClr val="208050"/>
+                </a:solidFill>
+                <a:effectLst/>
+                <a:latin typeface="Courier" pitchFamily="2" charset="0"/>
+              </a:rPr>
+              <a:t>0</a:t>
+            </a:r>
+            <a:r>
+              <a:rPr lang="en-GB">
+                <a:effectLst/>
+                <a:latin typeface="Courier" pitchFamily="2" charset="0"/>
+              </a:rPr>
+              <a:t>,</a:t>
+            </a:r>
+            <a:r>
+              <a:rPr lang="en-GB">
+                <a:latin typeface="Courier" pitchFamily="2" charset="0"/>
+              </a:rPr>
+              <a:t> </a:t>
+            </a:r>
+            <a:r>
+              <a:rPr lang="en-GB">
+                <a:solidFill>
+                  <a:srgbClr val="208050"/>
+                </a:solidFill>
+                <a:effectLst/>
+                <a:latin typeface="Courier" pitchFamily="2" charset="0"/>
+              </a:rPr>
+              <a:t>1</a:t>
+            </a:r>
+            <a:r>
+              <a:rPr lang="en-GB">
+                <a:effectLst/>
+                <a:latin typeface="Courier" pitchFamily="2" charset="0"/>
+              </a:rPr>
+              <a:t>,</a:t>
+            </a:r>
+            <a:r>
+              <a:rPr lang="en-GB">
+                <a:latin typeface="Courier" pitchFamily="2" charset="0"/>
+              </a:rPr>
+              <a:t> </a:t>
+            </a:r>
+            <a:r>
+              <a:rPr lang="en-GB">
+                <a:effectLst/>
+                <a:latin typeface="Courier" pitchFamily="2" charset="0"/>
+              </a:rPr>
+              <a:t>pure</a:t>
+            </a:r>
+            <a:r>
+              <a:rPr lang="en-GB">
+                <a:solidFill>
+                  <a:srgbClr val="666666"/>
+                </a:solidFill>
+                <a:effectLst/>
+                <a:latin typeface="Courier" pitchFamily="2" charset="0"/>
+              </a:rPr>
+              <a:t>.</a:t>
+            </a:r>
+            <a:r>
+              <a:rPr lang="en-GB">
+                <a:effectLst/>
+                <a:latin typeface="Courier" pitchFamily="2" charset="0"/>
+              </a:rPr>
+              <a:t>shape)</a:t>
+            </a:r>
+            <a:endParaRPr lang="en-CH"/>
+          </a:p>
+        </p:txBody>
+      </p:sp>
+    </p:spTree>
+    <p:extLst>
+      <p:ext uri="{BB962C8B-B14F-4D97-AF65-F5344CB8AC3E}">
+        <p14:creationId xmlns:p14="http://schemas.microsoft.com/office/powerpoint/2010/main" val="145027350"/>
+      </p:ext>
+    </p:extLst>
+  </p:cSld>
+  <p:clrMapOvr>
+    <a:masterClrMapping/>
+  </p:clrMapOvr>
+</p:sld>
+</file>
+
+<file path=ppt/slides/slide24.xml><?xml version="1.0" encoding="utf-8"?>
+<p:sld xmlns:a="http://schemas.openxmlformats.org/drawingml/2006/main" xmlns:r="http://schemas.openxmlformats.org/officeDocument/2006/relationships" xmlns:p="http://schemas.openxmlformats.org/presentationml/2006/main">
+  <p:cSld>
+    <p:spTree>
+      <p:nvGrpSpPr>
+        <p:cNvPr id="1" name=""/>
+        <p:cNvGrpSpPr/>
+        <p:nvPr/>
+      </p:nvGrpSpPr>
+      <p:grpSpPr>
+        <a:xfrm>
+          <a:off x="0" y="0"/>
+          <a:ext cx="0" cy="0"/>
+          <a:chOff x="0" y="0"/>
+          <a:chExt cx="0" cy="0"/>
+        </a:xfrm>
+      </p:grpSpPr>
+      <p:sp>
+        <p:nvSpPr>
+          <p:cNvPr id="2" name="Title 1">
+            <a:extLst>
+              <a:ext uri="{FF2B5EF4-FFF2-40B4-BE49-F238E27FC236}">
                 <a16:creationId xmlns:a16="http://schemas.microsoft.com/office/drawing/2014/main" id="{2CE0BD2C-12A8-7F4A-9631-F23F9B25AEBF}"/>
               </a:ext>
             </a:extLst>
@@ -7108,6 +7092,202 @@
           <a:p>
             <a:r>
               <a:rPr lang="en-CH"/>
+              <a:t>Denoising autoencoders (FFA) (784,32,784)</a:t>
+            </a:r>
+          </a:p>
+        </p:txBody>
+      </p:sp>
+      <p:sp>
+        <p:nvSpPr>
+          <p:cNvPr id="4" name="Footer Placeholder 3">
+            <a:extLst>
+              <a:ext uri="{FF2B5EF4-FFF2-40B4-BE49-F238E27FC236}">
+                <a16:creationId xmlns:a16="http://schemas.microsoft.com/office/drawing/2014/main" id="{FA012D35-86DF-C541-9D48-28487D67F511}"/>
+              </a:ext>
+            </a:extLst>
+          </p:cNvPr>
+          <p:cNvSpPr>
+            <a:spLocks noGrp="1"/>
+          </p:cNvSpPr>
+          <p:nvPr>
+            <p:ph type="ftr" sz="quarter" idx="11"/>
+          </p:nvPr>
+        </p:nvSpPr>
+        <p:spPr/>
+        <p:txBody>
+          <a:bodyPr/>
+          <a:lstStyle/>
+          <a:p>
+            <a:r>
+              <a:rPr lang="en-GB"/>
+              <a:t>Umberto Michelucci, umberto.michelucci@toelt.ai</a:t>
+            </a:r>
+            <a:endParaRPr lang="en-CH"/>
+          </a:p>
+        </p:txBody>
+      </p:sp>
+      <p:sp>
+        <p:nvSpPr>
+          <p:cNvPr id="5" name="Slide Number Placeholder 4">
+            <a:extLst>
+              <a:ext uri="{FF2B5EF4-FFF2-40B4-BE49-F238E27FC236}">
+                <a16:creationId xmlns:a16="http://schemas.microsoft.com/office/drawing/2014/main" id="{D97613DD-FF9B-214C-8D81-DB4555BB68C0}"/>
+              </a:ext>
+            </a:extLst>
+          </p:cNvPr>
+          <p:cNvSpPr>
+            <a:spLocks noGrp="1"/>
+          </p:cNvSpPr>
+          <p:nvPr>
+            <p:ph type="sldNum" sz="quarter" idx="12"/>
+          </p:nvPr>
+        </p:nvSpPr>
+        <p:spPr/>
+        <p:txBody>
+          <a:bodyPr/>
+          <a:lstStyle/>
+          <a:p>
+            <a:fld id="{41C020D8-235F-A74D-B997-F0D28FA98DD4}" type="slidenum">
+              <a:t>24</a:t>
+            </a:fld>
+            <a:endParaRPr lang="en-CH"/>
+          </a:p>
+        </p:txBody>
+      </p:sp>
+      <p:pic>
+        <p:nvPicPr>
+          <p:cNvPr id="6" name="Picture 5">
+            <a:extLst>
+              <a:ext uri="{FF2B5EF4-FFF2-40B4-BE49-F238E27FC236}">
+                <a16:creationId xmlns:a16="http://schemas.microsoft.com/office/drawing/2014/main" id="{4CBE45AD-03AA-344E-AA33-9702C3946BB7}"/>
+              </a:ext>
+            </a:extLst>
+          </p:cNvPr>
+          <p:cNvPicPr>
+            <a:picLocks noChangeAspect="1"/>
+          </p:cNvPicPr>
+          <p:nvPr/>
+        </p:nvPicPr>
+        <p:blipFill>
+          <a:blip r:embed="rId2"/>
+          <a:stretch>
+            <a:fillRect/>
+          </a:stretch>
+        </p:blipFill>
+        <p:spPr>
+          <a:xfrm>
+            <a:off x="1587500" y="1873250"/>
+            <a:ext cx="9017000" cy="3111500"/>
+          </a:xfrm>
+          <a:prstGeom prst="rect">
+            <a:avLst/>
+          </a:prstGeom>
+        </p:spPr>
+      </p:pic>
+      <p:sp>
+        <p:nvSpPr>
+          <p:cNvPr id="8" name="TextBox 7">
+            <a:extLst>
+              <a:ext uri="{FF2B5EF4-FFF2-40B4-BE49-F238E27FC236}">
+                <a16:creationId xmlns:a16="http://schemas.microsoft.com/office/drawing/2014/main" id="{F9775B24-1DD5-994B-A4E6-00E018FDC28B}"/>
+              </a:ext>
+            </a:extLst>
+          </p:cNvPr>
+          <p:cNvSpPr txBox="1"/>
+          <p:nvPr/>
+        </p:nvSpPr>
+        <p:spPr>
+          <a:xfrm>
+            <a:off x="88900" y="5884524"/>
+            <a:ext cx="11909461" cy="338554"/>
+          </a:xfrm>
+          <a:prstGeom prst="rect">
+            <a:avLst/>
+          </a:prstGeom>
+          <a:noFill/>
+        </p:spPr>
+        <p:txBody>
+          <a:bodyPr wrap="square">
+            <a:spAutoFit/>
+          </a:bodyPr>
+          <a:lstStyle/>
+          <a:p>
+            <a:r>
+              <a:rPr lang="en-CH" sz="1600">
+                <a:latin typeface="Franklin Gothic Book" panose="020B0503020102020204" pitchFamily="34" charset="0"/>
+                <a:hlinkClick r:id="rId3"/>
+              </a:rPr>
+              <a:t>http://adl.toelt.ai/Autoencoders/Denoising_autoencoders_with_FFNN.html</a:t>
+            </a:r>
+            <a:r>
+              <a:rPr lang="en-CH" sz="1600">
+                <a:latin typeface="Franklin Gothic Book" panose="020B0503020102020204" pitchFamily="34" charset="0"/>
+              </a:rPr>
+              <a:t> </a:t>
+            </a:r>
+          </a:p>
+        </p:txBody>
+      </p:sp>
+    </p:spTree>
+    <p:extLst>
+      <p:ext uri="{BB962C8B-B14F-4D97-AF65-F5344CB8AC3E}">
+        <p14:creationId xmlns:p14="http://schemas.microsoft.com/office/powerpoint/2010/main" val="4172125412"/>
+      </p:ext>
+    </p:extLst>
+  </p:cSld>
+  <p:clrMapOvr>
+    <a:masterClrMapping/>
+  </p:clrMapOvr>
+</p:sld>
+</file>
+
+<file path=ppt/slides/slide25.xml><?xml version="1.0" encoding="utf-8"?>
+<p:sld xmlns:a="http://schemas.openxmlformats.org/drawingml/2006/main" xmlns:r="http://schemas.openxmlformats.org/officeDocument/2006/relationships" xmlns:p="http://schemas.openxmlformats.org/presentationml/2006/main">
+  <p:cSld>
+    <p:spTree>
+      <p:nvGrpSpPr>
+        <p:cNvPr id="1" name=""/>
+        <p:cNvGrpSpPr/>
+        <p:nvPr/>
+      </p:nvGrpSpPr>
+      <p:grpSpPr>
+        <a:xfrm>
+          <a:off x="0" y="0"/>
+          <a:ext cx="0" cy="0"/>
+          <a:chOff x="0" y="0"/>
+          <a:chExt cx="0" cy="0"/>
+        </a:xfrm>
+      </p:grpSpPr>
+      <p:sp>
+        <p:nvSpPr>
+          <p:cNvPr id="2" name="Title 1">
+            <a:extLst>
+              <a:ext uri="{FF2B5EF4-FFF2-40B4-BE49-F238E27FC236}">
+                <a16:creationId xmlns:a16="http://schemas.microsoft.com/office/drawing/2014/main" id="{2CE0BD2C-12A8-7F4A-9631-F23F9B25AEBF}"/>
+              </a:ext>
+            </a:extLst>
+          </p:cNvPr>
+          <p:cNvSpPr>
+            <a:spLocks noGrp="1"/>
+          </p:cNvSpPr>
+          <p:nvPr>
+            <p:ph type="title"/>
+          </p:nvPr>
+        </p:nvSpPr>
+        <p:spPr>
+          <a:xfrm>
+            <a:off x="88900" y="136525"/>
+            <a:ext cx="10515600" cy="836951"/>
+          </a:xfrm>
+        </p:spPr>
+        <p:txBody>
+          <a:bodyPr>
+            <a:normAutofit fontScale="90000"/>
+          </a:bodyPr>
+          <a:lstStyle/>
+          <a:p>
+            <a:r>
+              <a:rPr lang="en-CH"/>
               <a:t>Denoising autoencoders (CNN) (784,32,784)</a:t>
             </a:r>
           </a:p>
@@ -7164,7 +7344,7 @@
           <a:lstStyle/>
           <a:p>
             <a:fld id="{41C020D8-235F-A74D-B997-F0D28FA98DD4}" type="slidenum">
-              <a:t>23</a:t>
+              <a:t>25</a:t>
             </a:fld>
             <a:endParaRPr lang="en-CH"/>
           </a:p>
@@ -7282,7 +7462,7 @@
           <p:cNvPr id="2" name="Title 1">
             <a:extLst>
               <a:ext uri="{FF2B5EF4-FFF2-40B4-BE49-F238E27FC236}">
-                <a16:creationId xmlns:a16="http://schemas.microsoft.com/office/drawing/2014/main" id="{A718AA54-EAD2-BA47-BDD4-EBA8FE7806BB}"/>
+                <a16:creationId xmlns:a16="http://schemas.microsoft.com/office/drawing/2014/main" id="{45665A02-29C3-1944-AA8E-6C9CBF35A25E}"/>
               </a:ext>
             </a:extLst>
           </p:cNvPr>
@@ -7293,14 +7473,21 @@
             <p:ph type="title"/>
           </p:nvPr>
         </p:nvSpPr>
-        <p:spPr/>
-        <p:txBody>
-          <a:bodyPr/>
+        <p:spPr>
+          <a:xfrm>
+            <a:off x="326472" y="197345"/>
+            <a:ext cx="10515600" cy="811072"/>
+          </a:xfrm>
+        </p:spPr>
+        <p:txBody>
+          <a:bodyPr>
+            <a:normAutofit/>
+          </a:bodyPr>
           <a:lstStyle/>
           <a:p>
             <a:r>
               <a:rPr lang="en-CH"/>
-              <a:t>Definition</a:t>
+              <a:t>General Structure</a:t>
             </a:r>
           </a:p>
         </p:txBody>
@@ -7310,7 +7497,7 @@
           <p:cNvPr id="6" name="Content Placeholder 5">
             <a:extLst>
               <a:ext uri="{FF2B5EF4-FFF2-40B4-BE49-F238E27FC236}">
-                <a16:creationId xmlns:a16="http://schemas.microsoft.com/office/drawing/2014/main" id="{F056F281-45CD-7E46-A1AB-85496AB134CE}"/>
+                <a16:creationId xmlns:a16="http://schemas.microsoft.com/office/drawing/2014/main" id="{A822F3D6-2F19-6A4D-B55E-54594E04E6CC}"/>
               </a:ext>
             </a:extLst>
           </p:cNvPr>
@@ -7329,8 +7516,8 @@
         </p:blipFill>
         <p:spPr>
           <a:xfrm>
-            <a:off x="1441450" y="2091157"/>
-            <a:ext cx="9309100" cy="2895600"/>
+            <a:off x="838200" y="1777906"/>
+            <a:ext cx="10515600" cy="3562761"/>
           </a:xfrm>
           <a:prstGeom prst="rect">
             <a:avLst/>
@@ -7342,7 +7529,7 @@
           <p:cNvPr id="4" name="Footer Placeholder 3">
             <a:extLst>
               <a:ext uri="{FF2B5EF4-FFF2-40B4-BE49-F238E27FC236}">
-                <a16:creationId xmlns:a16="http://schemas.microsoft.com/office/drawing/2014/main" id="{2AFD242B-4988-474E-ABBF-E9CAAC5360E1}"/>
+                <a16:creationId xmlns:a16="http://schemas.microsoft.com/office/drawing/2014/main" id="{5613FA09-A426-B548-BE1A-42E6A1DEECB3}"/>
               </a:ext>
             </a:extLst>
           </p:cNvPr>
@@ -7371,7 +7558,7 @@
           <p:cNvPr id="5" name="Slide Number Placeholder 4">
             <a:extLst>
               <a:ext uri="{FF2B5EF4-FFF2-40B4-BE49-F238E27FC236}">
-                <a16:creationId xmlns:a16="http://schemas.microsoft.com/office/drawing/2014/main" id="{81267D9A-1F84-0443-A049-6745C28869B7}"/>
+                <a16:creationId xmlns:a16="http://schemas.microsoft.com/office/drawing/2014/main" id="{9253F5AA-A3B6-E447-A353-20947BCF7611}"/>
               </a:ext>
             </a:extLst>
           </p:cNvPr>
@@ -7396,10 +7583,10 @@
       </p:sp>
       <p:sp>
         <p:nvSpPr>
-          <p:cNvPr id="7" name="TextBox 6">
-            <a:extLst>
-              <a:ext uri="{FF2B5EF4-FFF2-40B4-BE49-F238E27FC236}">
-                <a16:creationId xmlns:a16="http://schemas.microsoft.com/office/drawing/2014/main" id="{B396764C-48EF-1640-A1AA-B3D9D0947379}"/>
+          <p:cNvPr id="8" name="TextBox 7">
+            <a:extLst>
+              <a:ext uri="{FF2B5EF4-FFF2-40B4-BE49-F238E27FC236}">
+                <a16:creationId xmlns:a16="http://schemas.microsoft.com/office/drawing/2014/main" id="{94256B70-22D6-CF4F-8C6F-3BC89BE76FCF}"/>
               </a:ext>
             </a:extLst>
           </p:cNvPr>
@@ -7461,7 +7648,7 @@
     </p:spTree>
     <p:extLst>
       <p:ext uri="{BB962C8B-B14F-4D97-AF65-F5344CB8AC3E}">
-        <p14:creationId xmlns:p14="http://schemas.microsoft.com/office/powerpoint/2010/main" val="3854893695"/>
+        <p14:creationId xmlns:p14="http://schemas.microsoft.com/office/powerpoint/2010/main" val="1501580011"/>
       </p:ext>
     </p:extLst>
   </p:cSld>
@@ -7493,7 +7680,7 @@
           <p:cNvPr id="2" name="Title 1">
             <a:extLst>
               <a:ext uri="{FF2B5EF4-FFF2-40B4-BE49-F238E27FC236}">
-                <a16:creationId xmlns:a16="http://schemas.microsoft.com/office/drawing/2014/main" id="{A9F53D5A-8357-1742-987F-9F3D803EBC03}"/>
+                <a16:creationId xmlns:a16="http://schemas.microsoft.com/office/drawing/2014/main" id="{A718AA54-EAD2-BA47-BDD4-EBA8FE7806BB}"/>
               </a:ext>
             </a:extLst>
           </p:cNvPr>
@@ -7511,81 +7698,26 @@
           <a:p>
             <a:r>
               <a:rPr lang="en-CH"/>
-              <a:t>Reconstruction Error</a:t>
-            </a:r>
-          </a:p>
-        </p:txBody>
-      </p:sp>
-      <p:sp>
-        <p:nvSpPr>
-          <p:cNvPr id="4" name="Footer Placeholder 3">
-            <a:extLst>
-              <a:ext uri="{FF2B5EF4-FFF2-40B4-BE49-F238E27FC236}">
-                <a16:creationId xmlns:a16="http://schemas.microsoft.com/office/drawing/2014/main" id="{01ECBEF5-F8A1-0D4A-AC1D-69307AED0172}"/>
-              </a:ext>
-            </a:extLst>
-          </p:cNvPr>
-          <p:cNvSpPr>
-            <a:spLocks noGrp="1"/>
-          </p:cNvSpPr>
-          <p:nvPr>
-            <p:ph type="ftr" sz="quarter" idx="11"/>
-          </p:nvPr>
-        </p:nvSpPr>
-        <p:spPr/>
-        <p:txBody>
-          <a:bodyPr/>
-          <a:lstStyle/>
-          <a:p>
-            <a:r>
-              <a:rPr lang="en-GB"/>
-              <a:t>Umberto Michelucci, umberto.michelucci@toelt.ai</a:t>
-            </a:r>
-            <a:endParaRPr lang="en-CH"/>
-          </a:p>
-        </p:txBody>
-      </p:sp>
-      <p:sp>
-        <p:nvSpPr>
-          <p:cNvPr id="5" name="Slide Number Placeholder 4">
-            <a:extLst>
-              <a:ext uri="{FF2B5EF4-FFF2-40B4-BE49-F238E27FC236}">
-                <a16:creationId xmlns:a16="http://schemas.microsoft.com/office/drawing/2014/main" id="{B4CF3630-0038-F044-9481-CBB5C3D2E774}"/>
-              </a:ext>
-            </a:extLst>
-          </p:cNvPr>
-          <p:cNvSpPr>
-            <a:spLocks noGrp="1"/>
-          </p:cNvSpPr>
-          <p:nvPr>
-            <p:ph type="sldNum" sz="quarter" idx="12"/>
-          </p:nvPr>
-        </p:nvSpPr>
-        <p:spPr/>
-        <p:txBody>
-          <a:bodyPr/>
-          <a:lstStyle/>
-          <a:p>
-            <a:fld id="{41C020D8-235F-A74D-B997-F0D28FA98DD4}" type="slidenum">
-              <a:t>4</a:t>
-            </a:fld>
-            <a:endParaRPr lang="en-CH"/>
+              <a:t>Definition</a:t>
+            </a:r>
           </a:p>
         </p:txBody>
       </p:sp>
       <p:pic>
         <p:nvPicPr>
-          <p:cNvPr id="7" name="Picture 6">
-            <a:extLst>
-              <a:ext uri="{FF2B5EF4-FFF2-40B4-BE49-F238E27FC236}">
-                <a16:creationId xmlns:a16="http://schemas.microsoft.com/office/drawing/2014/main" id="{0C033B7E-1B12-5E40-B79A-18E022FC6673}"/>
+          <p:cNvPr id="6" name="Content Placeholder 5">
+            <a:extLst>
+              <a:ext uri="{FF2B5EF4-FFF2-40B4-BE49-F238E27FC236}">
+                <a16:creationId xmlns:a16="http://schemas.microsoft.com/office/drawing/2014/main" id="{F056F281-45CD-7E46-A1AB-85496AB134CE}"/>
               </a:ext>
             </a:extLst>
           </p:cNvPr>
           <p:cNvPicPr>
-            <a:picLocks noChangeAspect="1"/>
+            <a:picLocks noGrp="1" noChangeAspect="1"/>
           </p:cNvPicPr>
-          <p:nvPr/>
+          <p:nvPr>
+            <p:ph idx="1"/>
+          </p:nvPr>
         </p:nvPicPr>
         <p:blipFill>
           <a:blip r:embed="rId2"/>
@@ -7595,8 +7727,8 @@
         </p:blipFill>
         <p:spPr>
           <a:xfrm>
-            <a:off x="1270000" y="2052307"/>
-            <a:ext cx="9652000" cy="2413000"/>
+            <a:off x="1441450" y="2091157"/>
+            <a:ext cx="9309100" cy="2895600"/>
           </a:xfrm>
           <a:prstGeom prst="rect">
             <a:avLst/>
@@ -7605,10 +7737,67 @@
       </p:pic>
       <p:sp>
         <p:nvSpPr>
-          <p:cNvPr id="8" name="TextBox 7">
-            <a:extLst>
-              <a:ext uri="{FF2B5EF4-FFF2-40B4-BE49-F238E27FC236}">
-                <a16:creationId xmlns:a16="http://schemas.microsoft.com/office/drawing/2014/main" id="{861AB2A3-0436-8A4B-AEC5-009DA399F3F6}"/>
+          <p:cNvPr id="4" name="Footer Placeholder 3">
+            <a:extLst>
+              <a:ext uri="{FF2B5EF4-FFF2-40B4-BE49-F238E27FC236}">
+                <a16:creationId xmlns:a16="http://schemas.microsoft.com/office/drawing/2014/main" id="{2AFD242B-4988-474E-ABBF-E9CAAC5360E1}"/>
+              </a:ext>
+            </a:extLst>
+          </p:cNvPr>
+          <p:cNvSpPr>
+            <a:spLocks noGrp="1"/>
+          </p:cNvSpPr>
+          <p:nvPr>
+            <p:ph type="ftr" sz="quarter" idx="11"/>
+          </p:nvPr>
+        </p:nvSpPr>
+        <p:spPr/>
+        <p:txBody>
+          <a:bodyPr/>
+          <a:lstStyle/>
+          <a:p>
+            <a:r>
+              <a:rPr lang="en-GB"/>
+              <a:t>Umberto Michelucci, umberto.michelucci@toelt.ai</a:t>
+            </a:r>
+            <a:endParaRPr lang="en-CH"/>
+          </a:p>
+        </p:txBody>
+      </p:sp>
+      <p:sp>
+        <p:nvSpPr>
+          <p:cNvPr id="5" name="Slide Number Placeholder 4">
+            <a:extLst>
+              <a:ext uri="{FF2B5EF4-FFF2-40B4-BE49-F238E27FC236}">
+                <a16:creationId xmlns:a16="http://schemas.microsoft.com/office/drawing/2014/main" id="{81267D9A-1F84-0443-A049-6745C28869B7}"/>
+              </a:ext>
+            </a:extLst>
+          </p:cNvPr>
+          <p:cNvSpPr>
+            <a:spLocks noGrp="1"/>
+          </p:cNvSpPr>
+          <p:nvPr>
+            <p:ph type="sldNum" sz="quarter" idx="12"/>
+          </p:nvPr>
+        </p:nvSpPr>
+        <p:spPr/>
+        <p:txBody>
+          <a:bodyPr/>
+          <a:lstStyle/>
+          <a:p>
+            <a:fld id="{41C020D8-235F-A74D-B997-F0D28FA98DD4}" type="slidenum">
+              <a:t>4</a:t>
+            </a:fld>
+            <a:endParaRPr lang="en-CH"/>
+          </a:p>
+        </p:txBody>
+      </p:sp>
+      <p:sp>
+        <p:nvSpPr>
+          <p:cNvPr id="7" name="TextBox 6">
+            <a:extLst>
+              <a:ext uri="{FF2B5EF4-FFF2-40B4-BE49-F238E27FC236}">
+                <a16:creationId xmlns:a16="http://schemas.microsoft.com/office/drawing/2014/main" id="{B396764C-48EF-1640-A1AA-B3D9D0947379}"/>
               </a:ext>
             </a:extLst>
           </p:cNvPr>
@@ -7670,7 +7859,7 @@
     </p:spTree>
     <p:extLst>
       <p:ext uri="{BB962C8B-B14F-4D97-AF65-F5344CB8AC3E}">
-        <p14:creationId xmlns:p14="http://schemas.microsoft.com/office/powerpoint/2010/main" val="231172524"/>
+        <p14:creationId xmlns:p14="http://schemas.microsoft.com/office/powerpoint/2010/main" val="3854893695"/>
       </p:ext>
     </p:extLst>
   </p:cSld>
@@ -7697,21 +7886,104 @@
           <a:chExt cx="0" cy="0"/>
         </a:xfrm>
       </p:grpSpPr>
+      <p:sp>
+        <p:nvSpPr>
+          <p:cNvPr id="2" name="Title 1">
+            <a:extLst>
+              <a:ext uri="{FF2B5EF4-FFF2-40B4-BE49-F238E27FC236}">
+                <a16:creationId xmlns:a16="http://schemas.microsoft.com/office/drawing/2014/main" id="{A9F53D5A-8357-1742-987F-9F3D803EBC03}"/>
+              </a:ext>
+            </a:extLst>
+          </p:cNvPr>
+          <p:cNvSpPr>
+            <a:spLocks noGrp="1"/>
+          </p:cNvSpPr>
+          <p:nvPr>
+            <p:ph type="title"/>
+          </p:nvPr>
+        </p:nvSpPr>
+        <p:spPr/>
+        <p:txBody>
+          <a:bodyPr/>
+          <a:lstStyle/>
+          <a:p>
+            <a:r>
+              <a:rPr lang="en-CH"/>
+              <a:t>Reconstruction Error</a:t>
+            </a:r>
+          </a:p>
+        </p:txBody>
+      </p:sp>
+      <p:sp>
+        <p:nvSpPr>
+          <p:cNvPr id="4" name="Footer Placeholder 3">
+            <a:extLst>
+              <a:ext uri="{FF2B5EF4-FFF2-40B4-BE49-F238E27FC236}">
+                <a16:creationId xmlns:a16="http://schemas.microsoft.com/office/drawing/2014/main" id="{01ECBEF5-F8A1-0D4A-AC1D-69307AED0172}"/>
+              </a:ext>
+            </a:extLst>
+          </p:cNvPr>
+          <p:cNvSpPr>
+            <a:spLocks noGrp="1"/>
+          </p:cNvSpPr>
+          <p:nvPr>
+            <p:ph type="ftr" sz="quarter" idx="11"/>
+          </p:nvPr>
+        </p:nvSpPr>
+        <p:spPr/>
+        <p:txBody>
+          <a:bodyPr/>
+          <a:lstStyle/>
+          <a:p>
+            <a:r>
+              <a:rPr lang="en-GB"/>
+              <a:t>Umberto Michelucci, umberto.michelucci@toelt.ai</a:t>
+            </a:r>
+            <a:endParaRPr lang="en-CH"/>
+          </a:p>
+        </p:txBody>
+      </p:sp>
+      <p:sp>
+        <p:nvSpPr>
+          <p:cNvPr id="5" name="Slide Number Placeholder 4">
+            <a:extLst>
+              <a:ext uri="{FF2B5EF4-FFF2-40B4-BE49-F238E27FC236}">
+                <a16:creationId xmlns:a16="http://schemas.microsoft.com/office/drawing/2014/main" id="{B4CF3630-0038-F044-9481-CBB5C3D2E774}"/>
+              </a:ext>
+            </a:extLst>
+          </p:cNvPr>
+          <p:cNvSpPr>
+            <a:spLocks noGrp="1"/>
+          </p:cNvSpPr>
+          <p:nvPr>
+            <p:ph type="sldNum" sz="quarter" idx="12"/>
+          </p:nvPr>
+        </p:nvSpPr>
+        <p:spPr/>
+        <p:txBody>
+          <a:bodyPr/>
+          <a:lstStyle/>
+          <a:p>
+            <a:fld id="{41C020D8-235F-A74D-B997-F0D28FA98DD4}" type="slidenum">
+              <a:t>5</a:t>
+            </a:fld>
+            <a:endParaRPr lang="en-CH"/>
+          </a:p>
+        </p:txBody>
+      </p:sp>
       <p:pic>
         <p:nvPicPr>
-          <p:cNvPr id="6" name="Content Placeholder 5">
-            <a:extLst>
-              <a:ext uri="{FF2B5EF4-FFF2-40B4-BE49-F238E27FC236}">
-                <a16:creationId xmlns:a16="http://schemas.microsoft.com/office/drawing/2014/main" id="{5AF89F6C-D9BE-1B4F-8EB3-B8818CC101D7}"/>
+          <p:cNvPr id="7" name="Picture 6">
+            <a:extLst>
+              <a:ext uri="{FF2B5EF4-FFF2-40B4-BE49-F238E27FC236}">
+                <a16:creationId xmlns:a16="http://schemas.microsoft.com/office/drawing/2014/main" id="{0C033B7E-1B12-5E40-B79A-18E022FC6673}"/>
               </a:ext>
             </a:extLst>
           </p:cNvPr>
           <p:cNvPicPr>
-            <a:picLocks noGrp="1" noChangeAspect="1"/>
+            <a:picLocks noChangeAspect="1"/>
           </p:cNvPicPr>
-          <p:nvPr>
-            <p:ph idx="1"/>
-          </p:nvPr>
+          <p:nvPr/>
         </p:nvPicPr>
         <p:blipFill>
           <a:blip r:embed="rId2"/>
@@ -7721,8 +7993,8 @@
         </p:blipFill>
         <p:spPr>
           <a:xfrm>
-            <a:off x="2602908" y="1096702"/>
-            <a:ext cx="6952058" cy="5259648"/>
+            <a:off x="1270000" y="2052307"/>
+            <a:ext cx="9652000" cy="2413000"/>
           </a:xfrm>
           <a:prstGeom prst="rect">
             <a:avLst/>
@@ -7731,95 +8003,10 @@
       </p:pic>
       <p:sp>
         <p:nvSpPr>
-          <p:cNvPr id="2" name="Title 1">
-            <a:extLst>
-              <a:ext uri="{FF2B5EF4-FFF2-40B4-BE49-F238E27FC236}">
-                <a16:creationId xmlns:a16="http://schemas.microsoft.com/office/drawing/2014/main" id="{B8F6AE39-0962-AF44-9C67-9D7E7DF038F0}"/>
-              </a:ext>
-            </a:extLst>
-          </p:cNvPr>
-          <p:cNvSpPr>
-            <a:spLocks noGrp="1"/>
-          </p:cNvSpPr>
-          <p:nvPr>
-            <p:ph type="title"/>
-          </p:nvPr>
-        </p:nvSpPr>
-        <p:spPr/>
-        <p:txBody>
-          <a:bodyPr/>
-          <a:lstStyle/>
-          <a:p>
-            <a:r>
-              <a:rPr lang="en-CH"/>
-              <a:t>Reconstruction Error – An Example</a:t>
-            </a:r>
-          </a:p>
-        </p:txBody>
-      </p:sp>
-      <p:sp>
-        <p:nvSpPr>
-          <p:cNvPr id="4" name="Footer Placeholder 3">
-            <a:extLst>
-              <a:ext uri="{FF2B5EF4-FFF2-40B4-BE49-F238E27FC236}">
-                <a16:creationId xmlns:a16="http://schemas.microsoft.com/office/drawing/2014/main" id="{81E74BCB-BF79-A94B-8FFA-C276B1DF5772}"/>
-              </a:ext>
-            </a:extLst>
-          </p:cNvPr>
-          <p:cNvSpPr>
-            <a:spLocks noGrp="1"/>
-          </p:cNvSpPr>
-          <p:nvPr>
-            <p:ph type="ftr" sz="quarter" idx="11"/>
-          </p:nvPr>
-        </p:nvSpPr>
-        <p:spPr/>
-        <p:txBody>
-          <a:bodyPr/>
-          <a:lstStyle/>
-          <a:p>
-            <a:r>
-              <a:rPr lang="en-GB"/>
-              <a:t>Umberto Michelucci, umberto.michelucci@toelt.ai</a:t>
-            </a:r>
-            <a:endParaRPr lang="en-CH"/>
-          </a:p>
-        </p:txBody>
-      </p:sp>
-      <p:sp>
-        <p:nvSpPr>
-          <p:cNvPr id="5" name="Slide Number Placeholder 4">
-            <a:extLst>
-              <a:ext uri="{FF2B5EF4-FFF2-40B4-BE49-F238E27FC236}">
-                <a16:creationId xmlns:a16="http://schemas.microsoft.com/office/drawing/2014/main" id="{D4F2DF2F-81E9-9743-AC74-33861ADC7649}"/>
-              </a:ext>
-            </a:extLst>
-          </p:cNvPr>
-          <p:cNvSpPr>
-            <a:spLocks noGrp="1"/>
-          </p:cNvSpPr>
-          <p:nvPr>
-            <p:ph type="sldNum" sz="quarter" idx="12"/>
-          </p:nvPr>
-        </p:nvSpPr>
-        <p:spPr/>
-        <p:txBody>
-          <a:bodyPr/>
-          <a:lstStyle/>
-          <a:p>
-            <a:fld id="{41C020D8-235F-A74D-B997-F0D28FA98DD4}" type="slidenum">
-              <a:t>5</a:t>
-            </a:fld>
-            <a:endParaRPr lang="en-CH"/>
-          </a:p>
-        </p:txBody>
-      </p:sp>
-      <p:sp>
-        <p:nvSpPr>
-          <p:cNvPr id="7" name="TextBox 6">
-            <a:extLst>
-              <a:ext uri="{FF2B5EF4-FFF2-40B4-BE49-F238E27FC236}">
-                <a16:creationId xmlns:a16="http://schemas.microsoft.com/office/drawing/2014/main" id="{228C3E3C-8302-BB4B-BCFB-484C5E8CC3A9}"/>
+          <p:cNvPr id="8" name="TextBox 7">
+            <a:extLst>
+              <a:ext uri="{FF2B5EF4-FFF2-40B4-BE49-F238E27FC236}">
+                <a16:creationId xmlns:a16="http://schemas.microsoft.com/office/drawing/2014/main" id="{861AB2A3-0436-8A4B-AEC5-009DA399F3F6}"/>
               </a:ext>
             </a:extLst>
           </p:cNvPr>
@@ -7881,7 +8068,7 @@
     </p:spTree>
     <p:extLst>
       <p:ext uri="{BB962C8B-B14F-4D97-AF65-F5344CB8AC3E}">
-        <p14:creationId xmlns:p14="http://schemas.microsoft.com/office/powerpoint/2010/main" val="2551819498"/>
+        <p14:creationId xmlns:p14="http://schemas.microsoft.com/office/powerpoint/2010/main" val="231172524"/>
       </p:ext>
     </p:extLst>
   </p:cSld>
@@ -7908,45 +8095,12 @@
           <a:chExt cx="0" cy="0"/>
         </a:xfrm>
       </p:grpSpPr>
-      <p:sp>
-        <p:nvSpPr>
-          <p:cNvPr id="2" name="Title 1">
-            <a:extLst>
-              <a:ext uri="{FF2B5EF4-FFF2-40B4-BE49-F238E27FC236}">
-                <a16:creationId xmlns:a16="http://schemas.microsoft.com/office/drawing/2014/main" id="{AB6FE0FF-15C4-7C40-B3A2-2037661AF770}"/>
-              </a:ext>
-            </a:extLst>
-          </p:cNvPr>
-          <p:cNvSpPr>
-            <a:spLocks noGrp="1"/>
-          </p:cNvSpPr>
-          <p:nvPr>
-            <p:ph type="title"/>
-          </p:nvPr>
-        </p:nvSpPr>
-        <p:spPr>
-          <a:xfrm>
-            <a:off x="838200" y="365126"/>
-            <a:ext cx="10515600" cy="898596"/>
-          </a:xfrm>
-        </p:spPr>
-        <p:txBody>
-          <a:bodyPr/>
-          <a:lstStyle/>
-          <a:p>
-            <a:r>
-              <a:rPr lang="en-CH"/>
-              <a:t>Feed Forward Autoencoders</a:t>
-            </a:r>
-          </a:p>
-        </p:txBody>
-      </p:sp>
       <p:pic>
         <p:nvPicPr>
           <p:cNvPr id="6" name="Content Placeholder 5">
             <a:extLst>
               <a:ext uri="{FF2B5EF4-FFF2-40B4-BE49-F238E27FC236}">
-                <a16:creationId xmlns:a16="http://schemas.microsoft.com/office/drawing/2014/main" id="{94560FA9-7213-E147-A109-71392BE2E203}"/>
+                <a16:creationId xmlns:a16="http://schemas.microsoft.com/office/drawing/2014/main" id="{5AF89F6C-D9BE-1B4F-8EB3-B8818CC101D7}"/>
               </a:ext>
             </a:extLst>
           </p:cNvPr>
@@ -7965,8 +8119,8 @@
         </p:blipFill>
         <p:spPr>
           <a:xfrm>
-            <a:off x="2458703" y="1263722"/>
-            <a:ext cx="7274593" cy="4351338"/>
+            <a:off x="2602908" y="1096702"/>
+            <a:ext cx="6952058" cy="5259648"/>
           </a:xfrm>
           <a:prstGeom prst="rect">
             <a:avLst/>
@@ -7975,10 +8129,38 @@
       </p:pic>
       <p:sp>
         <p:nvSpPr>
+          <p:cNvPr id="2" name="Title 1">
+            <a:extLst>
+              <a:ext uri="{FF2B5EF4-FFF2-40B4-BE49-F238E27FC236}">
+                <a16:creationId xmlns:a16="http://schemas.microsoft.com/office/drawing/2014/main" id="{B8F6AE39-0962-AF44-9C67-9D7E7DF038F0}"/>
+              </a:ext>
+            </a:extLst>
+          </p:cNvPr>
+          <p:cNvSpPr>
+            <a:spLocks noGrp="1"/>
+          </p:cNvSpPr>
+          <p:nvPr>
+            <p:ph type="title"/>
+          </p:nvPr>
+        </p:nvSpPr>
+        <p:spPr/>
+        <p:txBody>
+          <a:bodyPr/>
+          <a:lstStyle/>
+          <a:p>
+            <a:r>
+              <a:rPr lang="en-CH"/>
+              <a:t>Reconstruction Error – An Example</a:t>
+            </a:r>
+          </a:p>
+        </p:txBody>
+      </p:sp>
+      <p:sp>
+        <p:nvSpPr>
           <p:cNvPr id="4" name="Footer Placeholder 3">
             <a:extLst>
               <a:ext uri="{FF2B5EF4-FFF2-40B4-BE49-F238E27FC236}">
-                <a16:creationId xmlns:a16="http://schemas.microsoft.com/office/drawing/2014/main" id="{E1F0B739-7FE8-9E46-BD0A-48705EA6AC9D}"/>
+                <a16:creationId xmlns:a16="http://schemas.microsoft.com/office/drawing/2014/main" id="{81E74BCB-BF79-A94B-8FFA-C276B1DF5772}"/>
               </a:ext>
             </a:extLst>
           </p:cNvPr>
@@ -8007,7 +8189,7 @@
           <p:cNvPr id="5" name="Slide Number Placeholder 4">
             <a:extLst>
               <a:ext uri="{FF2B5EF4-FFF2-40B4-BE49-F238E27FC236}">
-                <a16:creationId xmlns:a16="http://schemas.microsoft.com/office/drawing/2014/main" id="{04D8D524-8BAD-2343-9C10-35CD18668A22}"/>
+                <a16:creationId xmlns:a16="http://schemas.microsoft.com/office/drawing/2014/main" id="{D4F2DF2F-81E9-9743-AC74-33861ADC7649}"/>
               </a:ext>
             </a:extLst>
           </p:cNvPr>
@@ -8035,7 +8217,7 @@
           <p:cNvPr id="7" name="TextBox 6">
             <a:extLst>
               <a:ext uri="{FF2B5EF4-FFF2-40B4-BE49-F238E27FC236}">
-                <a16:creationId xmlns:a16="http://schemas.microsoft.com/office/drawing/2014/main" id="{734023B1-2D22-8441-BD34-F5E3458399FE}"/>
+                <a16:creationId xmlns:a16="http://schemas.microsoft.com/office/drawing/2014/main" id="{228C3E3C-8302-BB4B-BCFB-484C5E8CC3A9}"/>
               </a:ext>
             </a:extLst>
           </p:cNvPr>
@@ -8097,7 +8279,7 @@
     </p:spTree>
     <p:extLst>
       <p:ext uri="{BB962C8B-B14F-4D97-AF65-F5344CB8AC3E}">
-        <p14:creationId xmlns:p14="http://schemas.microsoft.com/office/powerpoint/2010/main" val="2847038966"/>
+        <p14:creationId xmlns:p14="http://schemas.microsoft.com/office/powerpoint/2010/main" val="2551819498"/>
       </p:ext>
     </p:extLst>
   </p:cSld>
@@ -8129,7 +8311,7 @@
           <p:cNvPr id="2" name="Title 1">
             <a:extLst>
               <a:ext uri="{FF2B5EF4-FFF2-40B4-BE49-F238E27FC236}">
-                <a16:creationId xmlns:a16="http://schemas.microsoft.com/office/drawing/2014/main" id="{CB62EBEB-BAFB-9E45-8EFC-A23E6A09DBF9}"/>
+                <a16:creationId xmlns:a16="http://schemas.microsoft.com/office/drawing/2014/main" id="{AB6FE0FF-15C4-7C40-B3A2-2037661AF770}"/>
               </a:ext>
             </a:extLst>
           </p:cNvPr>
@@ -8140,24 +8322,61 @@
             <p:ph type="title"/>
           </p:nvPr>
         </p:nvSpPr>
-        <p:spPr/>
+        <p:spPr>
+          <a:xfrm>
+            <a:off x="838200" y="365126"/>
+            <a:ext cx="10515600" cy="898596"/>
+          </a:xfrm>
+        </p:spPr>
         <p:txBody>
           <a:bodyPr/>
           <a:lstStyle/>
           <a:p>
             <a:r>
               <a:rPr lang="en-CH"/>
-              <a:t>Smaller autoencoders and results</a:t>
-            </a:r>
-          </a:p>
-        </p:txBody>
-      </p:sp>
+              <a:t>Feed Forward Autoencoders</a:t>
+            </a:r>
+          </a:p>
+        </p:txBody>
+      </p:sp>
+      <p:pic>
+        <p:nvPicPr>
+          <p:cNvPr id="6" name="Content Placeholder 5">
+            <a:extLst>
+              <a:ext uri="{FF2B5EF4-FFF2-40B4-BE49-F238E27FC236}">
+                <a16:creationId xmlns:a16="http://schemas.microsoft.com/office/drawing/2014/main" id="{94560FA9-7213-E147-A109-71392BE2E203}"/>
+              </a:ext>
+            </a:extLst>
+          </p:cNvPr>
+          <p:cNvPicPr>
+            <a:picLocks noGrp="1" noChangeAspect="1"/>
+          </p:cNvPicPr>
+          <p:nvPr>
+            <p:ph idx="1"/>
+          </p:nvPr>
+        </p:nvPicPr>
+        <p:blipFill>
+          <a:blip r:embed="rId2"/>
+          <a:stretch>
+            <a:fillRect/>
+          </a:stretch>
+        </p:blipFill>
+        <p:spPr>
+          <a:xfrm>
+            <a:off x="2458703" y="1263722"/>
+            <a:ext cx="7274593" cy="4351338"/>
+          </a:xfrm>
+          <a:prstGeom prst="rect">
+            <a:avLst/>
+          </a:prstGeom>
+        </p:spPr>
+      </p:pic>
       <p:sp>
         <p:nvSpPr>
           <p:cNvPr id="4" name="Footer Placeholder 3">
             <a:extLst>
               <a:ext uri="{FF2B5EF4-FFF2-40B4-BE49-F238E27FC236}">
-                <a16:creationId xmlns:a16="http://schemas.microsoft.com/office/drawing/2014/main" id="{4ED74CF5-8049-DF46-ADDC-24E633648EF6}"/>
+                <a16:creationId xmlns:a16="http://schemas.microsoft.com/office/drawing/2014/main" id="{E1F0B739-7FE8-9E46-BD0A-48705EA6AC9D}"/>
               </a:ext>
             </a:extLst>
           </p:cNvPr>
@@ -8186,7 +8405,7 @@
           <p:cNvPr id="5" name="Slide Number Placeholder 4">
             <a:extLst>
               <a:ext uri="{FF2B5EF4-FFF2-40B4-BE49-F238E27FC236}">
-                <a16:creationId xmlns:a16="http://schemas.microsoft.com/office/drawing/2014/main" id="{CB1D0FA0-03D5-554B-8FDB-5CF5DBB192CF}"/>
+                <a16:creationId xmlns:a16="http://schemas.microsoft.com/office/drawing/2014/main" id="{04D8D524-8BAD-2343-9C10-35CD18668A22}"/>
               </a:ext>
             </a:extLst>
           </p:cNvPr>
@@ -8209,10 +8428,74 @@
           </a:p>
         </p:txBody>
       </p:sp>
+      <p:sp>
+        <p:nvSpPr>
+          <p:cNvPr id="7" name="TextBox 6">
+            <a:extLst>
+              <a:ext uri="{FF2B5EF4-FFF2-40B4-BE49-F238E27FC236}">
+                <a16:creationId xmlns:a16="http://schemas.microsoft.com/office/drawing/2014/main" id="{734023B1-2D22-8441-BD34-F5E3458399FE}"/>
+              </a:ext>
+            </a:extLst>
+          </p:cNvPr>
+          <p:cNvSpPr txBox="1"/>
+          <p:nvPr/>
+        </p:nvSpPr>
+        <p:spPr>
+          <a:xfrm>
+            <a:off x="70764" y="6110157"/>
+            <a:ext cx="11799658" cy="276999"/>
+          </a:xfrm>
+          <a:prstGeom prst="rect">
+            <a:avLst/>
+          </a:prstGeom>
+          <a:noFill/>
+        </p:spPr>
+        <p:txBody>
+          <a:bodyPr wrap="square">
+            <a:spAutoFit/>
+          </a:bodyPr>
+          <a:lstStyle/>
+          <a:p>
+            <a:r>
+              <a:rPr lang="en-GB" sz="1200" b="0" i="0" u="none" strike="noStrike">
+                <a:solidFill>
+                  <a:srgbClr val="222222"/>
+                </a:solidFill>
+                <a:effectLst/>
+                <a:latin typeface="Franklin Gothic Book" panose="020B0503020102020204" pitchFamily="34" charset="0"/>
+              </a:rPr>
+              <a:t>Michelucci, Umberto. "An Introduction to Autoencoders." </a:t>
+            </a:r>
+            <a:r>
+              <a:rPr lang="en-GB" sz="1200" b="0" i="1" u="none" strike="noStrike">
+                <a:solidFill>
+                  <a:srgbClr val="222222"/>
+                </a:solidFill>
+                <a:effectLst/>
+                <a:latin typeface="Franklin Gothic Book" panose="020B0503020102020204" pitchFamily="34" charset="0"/>
+              </a:rPr>
+              <a:t>arXiv preprint arXiv:2201.03898</a:t>
+            </a:r>
+            <a:r>
+              <a:rPr lang="en-GB" sz="1200" b="0" i="0" u="none" strike="noStrike">
+                <a:solidFill>
+                  <a:srgbClr val="222222"/>
+                </a:solidFill>
+                <a:effectLst/>
+                <a:latin typeface="Franklin Gothic Book" panose="020B0503020102020204" pitchFamily="34" charset="0"/>
+              </a:rPr>
+              <a:t> (2022).</a:t>
+            </a:r>
+            <a:endParaRPr lang="en-CH" sz="1200">
+              <a:latin typeface="Franklin Gothic Book" panose="020B0503020102020204" pitchFamily="34" charset="0"/>
+            </a:endParaRPr>
+          </a:p>
+        </p:txBody>
+      </p:sp>
     </p:spTree>
     <p:extLst>
       <p:ext uri="{BB962C8B-B14F-4D97-AF65-F5344CB8AC3E}">
-        <p14:creationId xmlns:p14="http://schemas.microsoft.com/office/powerpoint/2010/main" val="1190463142"/>
+        <p14:creationId xmlns:p14="http://schemas.microsoft.com/office/powerpoint/2010/main" val="2847038966"/>
       </p:ext>
     </p:extLst>
   </p:cSld>
@@ -8244,7 +8527,7 @@
           <p:cNvPr id="2" name="Title 1">
             <a:extLst>
               <a:ext uri="{FF2B5EF4-FFF2-40B4-BE49-F238E27FC236}">
-                <a16:creationId xmlns:a16="http://schemas.microsoft.com/office/drawing/2014/main" id="{CBA63AD3-9F55-E64C-A75C-A462457670F4}"/>
+                <a16:creationId xmlns:a16="http://schemas.microsoft.com/office/drawing/2014/main" id="{CB62EBEB-BAFB-9E45-8EFC-A23E6A09DBF9}"/>
               </a:ext>
             </a:extLst>
           </p:cNvPr>
@@ -8262,49 +8545,17 @@
           <a:p>
             <a:r>
               <a:rPr lang="en-CH"/>
-              <a:t>Examples (784,64,784)</a:t>
-            </a:r>
-          </a:p>
-        </p:txBody>
-      </p:sp>
-      <p:pic>
-        <p:nvPicPr>
-          <p:cNvPr id="6" name="Content Placeholder 5">
-            <a:extLst>
-              <a:ext uri="{FF2B5EF4-FFF2-40B4-BE49-F238E27FC236}">
-                <a16:creationId xmlns:a16="http://schemas.microsoft.com/office/drawing/2014/main" id="{BB09C315-6C6D-F948-B1FD-6454C9916A1C}"/>
-              </a:ext>
-            </a:extLst>
-          </p:cNvPr>
-          <p:cNvPicPr>
-            <a:picLocks noGrp="1" noChangeAspect="1"/>
-          </p:cNvPicPr>
-          <p:nvPr>
-            <p:ph idx="1"/>
-          </p:nvPr>
-        </p:nvPicPr>
-        <p:blipFill>
-          <a:blip r:embed="rId2"/>
-          <a:stretch>
-            <a:fillRect/>
-          </a:stretch>
-        </p:blipFill>
-        <p:spPr>
-          <a:xfrm>
-            <a:off x="618866" y="1936881"/>
-            <a:ext cx="11087172" cy="3071973"/>
-          </a:xfrm>
-          <a:prstGeom prst="rect">
-            <a:avLst/>
-          </a:prstGeom>
-        </p:spPr>
-      </p:pic>
+              <a:t>Smaller autoencoders and results</a:t>
+            </a:r>
+          </a:p>
+        </p:txBody>
+      </p:sp>
       <p:sp>
         <p:nvSpPr>
           <p:cNvPr id="4" name="Footer Placeholder 3">
             <a:extLst>
               <a:ext uri="{FF2B5EF4-FFF2-40B4-BE49-F238E27FC236}">
-                <a16:creationId xmlns:a16="http://schemas.microsoft.com/office/drawing/2014/main" id="{1F837A4C-C174-CF44-9A64-896D485E6935}"/>
+                <a16:creationId xmlns:a16="http://schemas.microsoft.com/office/drawing/2014/main" id="{4ED74CF5-8049-DF46-ADDC-24E633648EF6}"/>
               </a:ext>
             </a:extLst>
           </p:cNvPr>
@@ -8333,7 +8584,7 @@
           <p:cNvPr id="5" name="Slide Number Placeholder 4">
             <a:extLst>
               <a:ext uri="{FF2B5EF4-FFF2-40B4-BE49-F238E27FC236}">
-                <a16:creationId xmlns:a16="http://schemas.microsoft.com/office/drawing/2014/main" id="{ECD84F33-4CF9-A744-AB60-E7FA22CB623F}"/>
+                <a16:creationId xmlns:a16="http://schemas.microsoft.com/office/drawing/2014/main" id="{CB1D0FA0-03D5-554B-8FDB-5CF5DBB192CF}"/>
               </a:ext>
             </a:extLst>
           </p:cNvPr>
@@ -8356,74 +8607,10 @@
           </a:p>
         </p:txBody>
       </p:sp>
-      <p:sp>
-        <p:nvSpPr>
-          <p:cNvPr id="7" name="TextBox 6">
-            <a:extLst>
-              <a:ext uri="{FF2B5EF4-FFF2-40B4-BE49-F238E27FC236}">
-                <a16:creationId xmlns:a16="http://schemas.microsoft.com/office/drawing/2014/main" id="{78364415-EBD3-2E49-84D2-0AD8036C181D}"/>
-              </a:ext>
-            </a:extLst>
-          </p:cNvPr>
-          <p:cNvSpPr txBox="1"/>
-          <p:nvPr/>
-        </p:nvSpPr>
-        <p:spPr>
-          <a:xfrm>
-            <a:off x="70764" y="6110157"/>
-            <a:ext cx="11799658" cy="276999"/>
-          </a:xfrm>
-          <a:prstGeom prst="rect">
-            <a:avLst/>
-          </a:prstGeom>
-          <a:noFill/>
-        </p:spPr>
-        <p:txBody>
-          <a:bodyPr wrap="square">
-            <a:spAutoFit/>
-          </a:bodyPr>
-          <a:lstStyle/>
-          <a:p>
-            <a:r>
-              <a:rPr lang="en-GB" sz="1200" b="0" i="0" u="none" strike="noStrike">
-                <a:solidFill>
-                  <a:srgbClr val="222222"/>
-                </a:solidFill>
-                <a:effectLst/>
-                <a:latin typeface="Franklin Gothic Book" panose="020B0503020102020204" pitchFamily="34" charset="0"/>
-              </a:rPr>
-              <a:t>Michelucci, Umberto. "An Introduction to Autoencoders." </a:t>
-            </a:r>
-            <a:r>
-              <a:rPr lang="en-GB" sz="1200" b="0" i="1" u="none" strike="noStrike">
-                <a:solidFill>
-                  <a:srgbClr val="222222"/>
-                </a:solidFill>
-                <a:effectLst/>
-                <a:latin typeface="Franklin Gothic Book" panose="020B0503020102020204" pitchFamily="34" charset="0"/>
-              </a:rPr>
-              <a:t>arXiv preprint arXiv:2201.03898</a:t>
-            </a:r>
-            <a:r>
-              <a:rPr lang="en-GB" sz="1200" b="0" i="0" u="none" strike="noStrike">
-                <a:solidFill>
-                  <a:srgbClr val="222222"/>
-                </a:solidFill>
-                <a:effectLst/>
-                <a:latin typeface="Franklin Gothic Book" panose="020B0503020102020204" pitchFamily="34" charset="0"/>
-              </a:rPr>
-              <a:t> (2022).</a:t>
-            </a:r>
-            <a:endParaRPr lang="en-CH" sz="1200">
-              <a:latin typeface="Franklin Gothic Book" panose="020B0503020102020204" pitchFamily="34" charset="0"/>
-            </a:endParaRPr>
-          </a:p>
-        </p:txBody>
-      </p:sp>
     </p:spTree>
     <p:extLst>
       <p:ext uri="{BB962C8B-B14F-4D97-AF65-F5344CB8AC3E}">
-        <p14:creationId xmlns:p14="http://schemas.microsoft.com/office/powerpoint/2010/main" val="2782714695"/>
+        <p14:creationId xmlns:p14="http://schemas.microsoft.com/office/powerpoint/2010/main" val="1190463142"/>
       </p:ext>
     </p:extLst>
   </p:cSld>
@@ -8473,11 +8660,43 @@
           <a:p>
             <a:r>
               <a:rPr lang="en-CH"/>
-              <a:t>Examples (784,16,784)</a:t>
-            </a:r>
-          </a:p>
-        </p:txBody>
-      </p:sp>
+              <a:t>Examples (784,64,784)</a:t>
+            </a:r>
+          </a:p>
+        </p:txBody>
+      </p:sp>
+      <p:pic>
+        <p:nvPicPr>
+          <p:cNvPr id="6" name="Content Placeholder 5">
+            <a:extLst>
+              <a:ext uri="{FF2B5EF4-FFF2-40B4-BE49-F238E27FC236}">
+                <a16:creationId xmlns:a16="http://schemas.microsoft.com/office/drawing/2014/main" id="{BB09C315-6C6D-F948-B1FD-6454C9916A1C}"/>
+              </a:ext>
+            </a:extLst>
+          </p:cNvPr>
+          <p:cNvPicPr>
+            <a:picLocks noGrp="1" noChangeAspect="1"/>
+          </p:cNvPicPr>
+          <p:nvPr>
+            <p:ph idx="1"/>
+          </p:nvPr>
+        </p:nvPicPr>
+        <p:blipFill>
+          <a:blip r:embed="rId2"/>
+          <a:stretch>
+            <a:fillRect/>
+          </a:stretch>
+        </p:blipFill>
+        <p:spPr>
+          <a:xfrm>
+            <a:off x="618866" y="1936881"/>
+            <a:ext cx="11087172" cy="3071973"/>
+          </a:xfrm>
+          <a:prstGeom prst="rect">
+            <a:avLst/>
+          </a:prstGeom>
+        </p:spPr>
+      </p:pic>
       <p:sp>
         <p:nvSpPr>
           <p:cNvPr id="4" name="Footer Placeholder 3">
@@ -8599,42 +8818,10 @@
           </a:p>
         </p:txBody>
       </p:sp>
-      <p:pic>
-        <p:nvPicPr>
-          <p:cNvPr id="9" name="Content Placeholder 8">
-            <a:extLst>
-              <a:ext uri="{FF2B5EF4-FFF2-40B4-BE49-F238E27FC236}">
-                <a16:creationId xmlns:a16="http://schemas.microsoft.com/office/drawing/2014/main" id="{B42DD6AC-32F2-C84E-B338-4B1ADCFE776D}"/>
-              </a:ext>
-            </a:extLst>
-          </p:cNvPr>
-          <p:cNvPicPr>
-            <a:picLocks noGrp="1" noChangeAspect="1"/>
-          </p:cNvPicPr>
-          <p:nvPr>
-            <p:ph idx="1"/>
-          </p:nvPr>
-        </p:nvPicPr>
-        <p:blipFill>
-          <a:blip r:embed="rId2"/>
-          <a:stretch>
-            <a:fillRect/>
-          </a:stretch>
-        </p:blipFill>
-        <p:spPr>
-          <a:xfrm>
-            <a:off x="559640" y="2213412"/>
-            <a:ext cx="11072719" cy="2779827"/>
-          </a:xfrm>
-          <a:prstGeom prst="rect">
-            <a:avLst/>
-          </a:prstGeom>
-        </p:spPr>
-      </p:pic>
     </p:spTree>
     <p:extLst>
       <p:ext uri="{BB962C8B-B14F-4D97-AF65-F5344CB8AC3E}">
-        <p14:creationId xmlns:p14="http://schemas.microsoft.com/office/powerpoint/2010/main" val="1866443705"/>
+        <p14:creationId xmlns:p14="http://schemas.microsoft.com/office/powerpoint/2010/main" val="2782714695"/>
       </p:ext>
     </p:extLst>
   </p:cSld>
